--- a/fantasy_football_draft-presentation.pptx
+++ b/fantasy_football_draft-presentation.pptx
@@ -5,30 +5,31 @@
     <p:sldMasterId id="2147484669" r:id="rId1"/>
   </p:sldMasterIdLst>
   <p:handoutMasterIdLst>
-    <p:handoutMasterId r:id="rId23"/>
+    <p:handoutMasterId r:id="rId24"/>
   </p:handoutMasterIdLst>
   <p:sldIdLst>
     <p:sldId id="256" r:id="rId2"/>
     <p:sldId id="258" r:id="rId3"/>
     <p:sldId id="259" r:id="rId4"/>
     <p:sldId id="260" r:id="rId5"/>
-    <p:sldId id="261" r:id="rId6"/>
-    <p:sldId id="262" r:id="rId7"/>
-    <p:sldId id="263" r:id="rId8"/>
-    <p:sldId id="264" r:id="rId9"/>
-    <p:sldId id="265" r:id="rId10"/>
-    <p:sldId id="266" r:id="rId11"/>
-    <p:sldId id="267" r:id="rId12"/>
-    <p:sldId id="268" r:id="rId13"/>
-    <p:sldId id="269" r:id="rId14"/>
-    <p:sldId id="270" r:id="rId15"/>
-    <p:sldId id="277" r:id="rId16"/>
-    <p:sldId id="271" r:id="rId17"/>
-    <p:sldId id="272" r:id="rId18"/>
-    <p:sldId id="273" r:id="rId19"/>
-    <p:sldId id="274" r:id="rId20"/>
-    <p:sldId id="275" r:id="rId21"/>
-    <p:sldId id="276" r:id="rId22"/>
+    <p:sldId id="277" r:id="rId6"/>
+    <p:sldId id="261" r:id="rId7"/>
+    <p:sldId id="262" r:id="rId8"/>
+    <p:sldId id="263" r:id="rId9"/>
+    <p:sldId id="264" r:id="rId10"/>
+    <p:sldId id="265" r:id="rId11"/>
+    <p:sldId id="266" r:id="rId12"/>
+    <p:sldId id="267" r:id="rId13"/>
+    <p:sldId id="268" r:id="rId14"/>
+    <p:sldId id="269" r:id="rId15"/>
+    <p:sldId id="270" r:id="rId16"/>
+    <p:sldId id="278" r:id="rId17"/>
+    <p:sldId id="271" r:id="rId18"/>
+    <p:sldId id="272" r:id="rId19"/>
+    <p:sldId id="273" r:id="rId20"/>
+    <p:sldId id="274" r:id="rId21"/>
+    <p:sldId id="275" r:id="rId22"/>
+    <p:sldId id="276" r:id="rId23"/>
   </p:sldIdLst>
   <p:sldSz cx="12192000" cy="6858000"/>
   <p:notesSz cx="6858000" cy="9144000"/>
@@ -127,6 +128,14 @@
       </a:defRPr>
     </a:lvl9pPr>
   </p:defaultTextStyle>
+  <p:extLst>
+    <p:ext uri="{EFAFB233-063F-42B5-8137-9DF3F51BA10A}">
+      <p15:sldGuideLst xmlns:p15="http://schemas.microsoft.com/office/powerpoint/2012/main"/>
+    </p:ext>
+    <p:ext uri="{2D200454-40CA-4A62-9FC3-DE9A4176ACB9}">
+      <p15:notesGuideLst xmlns:p15="http://schemas.microsoft.com/office/powerpoint/2012/main"/>
+    </p:ext>
+  </p:extLst>
 </p:presentation>
 </file>
 
@@ -224,7 +233,7 @@
           <a:p>
             <a:fld id="{6898346C-829C-9741-B6F9-80B93090CD36}" type="datetimeFigureOut">
               <a:rPr lang="en-US" smtClean="0"/>
-              <a:t>12/2/25</a:t>
+              <a:t>12/3/25</a:t>
             </a:fld>
             <a:endParaRPr lang="en-US"/>
           </a:p>
@@ -466,7 +475,7 @@
           <a:p>
             <a:fld id="{51AEF14D-2A41-2742-8CE3-E0F0BB8EF3F0}" type="datetimeFigureOut">
               <a:rPr lang="en-US" smtClean="0"/>
-              <a:t>12/2/25</a:t>
+              <a:t>12/3/25</a:t>
             </a:fld>
             <a:endParaRPr lang="en-US"/>
           </a:p>
@@ -664,7 +673,7 @@
           <a:p>
             <a:fld id="{51AEF14D-2A41-2742-8CE3-E0F0BB8EF3F0}" type="datetimeFigureOut">
               <a:rPr lang="en-US" smtClean="0"/>
-              <a:t>12/2/25</a:t>
+              <a:t>12/3/25</a:t>
             </a:fld>
             <a:endParaRPr lang="en-US"/>
           </a:p>
@@ -872,7 +881,7 @@
           <a:p>
             <a:fld id="{51AEF14D-2A41-2742-8CE3-E0F0BB8EF3F0}" type="datetimeFigureOut">
               <a:rPr lang="en-US" smtClean="0"/>
-              <a:t>12/2/25</a:t>
+              <a:t>12/3/25</a:t>
             </a:fld>
             <a:endParaRPr lang="en-US"/>
           </a:p>
@@ -1070,7 +1079,7 @@
           <a:p>
             <a:fld id="{51AEF14D-2A41-2742-8CE3-E0F0BB8EF3F0}" type="datetimeFigureOut">
               <a:rPr lang="en-US" smtClean="0"/>
-              <a:t>12/2/25</a:t>
+              <a:t>12/3/25</a:t>
             </a:fld>
             <a:endParaRPr lang="en-US"/>
           </a:p>
@@ -1345,7 +1354,7 @@
           <a:p>
             <a:fld id="{51AEF14D-2A41-2742-8CE3-E0F0BB8EF3F0}" type="datetimeFigureOut">
               <a:rPr lang="en-US" smtClean="0"/>
-              <a:t>12/2/25</a:t>
+              <a:t>12/3/25</a:t>
             </a:fld>
             <a:endParaRPr lang="en-US"/>
           </a:p>
@@ -1610,7 +1619,7 @@
           <a:p>
             <a:fld id="{51AEF14D-2A41-2742-8CE3-E0F0BB8EF3F0}" type="datetimeFigureOut">
               <a:rPr lang="en-US" smtClean="0"/>
-              <a:t>12/2/25</a:t>
+              <a:t>12/3/25</a:t>
             </a:fld>
             <a:endParaRPr lang="en-US"/>
           </a:p>
@@ -2022,7 +2031,7 @@
           <a:p>
             <a:fld id="{51AEF14D-2A41-2742-8CE3-E0F0BB8EF3F0}" type="datetimeFigureOut">
               <a:rPr lang="en-US" smtClean="0"/>
-              <a:t>12/2/25</a:t>
+              <a:t>12/3/25</a:t>
             </a:fld>
             <a:endParaRPr lang="en-US"/>
           </a:p>
@@ -2163,7 +2172,7 @@
           <a:p>
             <a:fld id="{51AEF14D-2A41-2742-8CE3-E0F0BB8EF3F0}" type="datetimeFigureOut">
               <a:rPr lang="en-US" smtClean="0"/>
-              <a:t>12/2/25</a:t>
+              <a:t>12/3/25</a:t>
             </a:fld>
             <a:endParaRPr lang="en-US"/>
           </a:p>
@@ -2276,7 +2285,7 @@
           <a:p>
             <a:fld id="{51AEF14D-2A41-2742-8CE3-E0F0BB8EF3F0}" type="datetimeFigureOut">
               <a:rPr lang="en-US" smtClean="0"/>
-              <a:t>12/2/25</a:t>
+              <a:t>12/3/25</a:t>
             </a:fld>
             <a:endParaRPr lang="en-US"/>
           </a:p>
@@ -2587,7 +2596,7 @@
           <a:p>
             <a:fld id="{51AEF14D-2A41-2742-8CE3-E0F0BB8EF3F0}" type="datetimeFigureOut">
               <a:rPr lang="en-US" smtClean="0"/>
-              <a:t>12/2/25</a:t>
+              <a:t>12/3/25</a:t>
             </a:fld>
             <a:endParaRPr lang="en-US"/>
           </a:p>
@@ -2875,7 +2884,7 @@
           <a:p>
             <a:fld id="{51AEF14D-2A41-2742-8CE3-E0F0BB8EF3F0}" type="datetimeFigureOut">
               <a:rPr lang="en-US" smtClean="0"/>
-              <a:t>12/2/25</a:t>
+              <a:t>12/3/25</a:t>
             </a:fld>
             <a:endParaRPr lang="en-US"/>
           </a:p>
@@ -3116,7 +3125,7 @@
           <a:p>
             <a:fld id="{51AEF14D-2A41-2742-8CE3-E0F0BB8EF3F0}" type="datetimeFigureOut">
               <a:rPr lang="en-US" smtClean="0"/>
-              <a:t>12/2/25</a:t>
+              <a:t>12/3/25</a:t>
             </a:fld>
             <a:endParaRPr lang="en-US"/>
           </a:p>
@@ -3730,6 +3739,465 @@
         <p:cNvPr id="1" name="">
           <a:extLst>
             <a:ext uri="{FF2B5EF4-FFF2-40B4-BE49-F238E27FC236}">
+              <a16:creationId xmlns:a16="http://schemas.microsoft.com/office/drawing/2014/main" id="{AB29EA11-EEA6-CFF3-7E29-178BF491618A}"/>
+            </a:ext>
+          </a:extLst>
+        </p:cNvPr>
+        <p:cNvGrpSpPr/>
+        <p:nvPr/>
+      </p:nvGrpSpPr>
+      <p:grpSpPr>
+        <a:xfrm>
+          <a:off x="0" y="0"/>
+          <a:ext cx="0" cy="0"/>
+          <a:chOff x="0" y="0"/>
+          <a:chExt cx="0" cy="0"/>
+        </a:xfrm>
+      </p:grpSpPr>
+      <mc:AlternateContent xmlns:mc="http://schemas.openxmlformats.org/markup-compatibility/2006" xmlns:a14="http://schemas.microsoft.com/office/drawing/2010/main">
+        <mc:Choice Requires="a14">
+          <p:sp>
+            <p:nvSpPr>
+              <p:cNvPr id="3" name="Content Placeholder 2">
+                <a:extLst>
+                  <a:ext uri="{FF2B5EF4-FFF2-40B4-BE49-F238E27FC236}">
+                    <a16:creationId xmlns:a16="http://schemas.microsoft.com/office/drawing/2014/main" id="{8BA841ED-082A-9190-9B77-F7184B129FD7}"/>
+                  </a:ext>
+                </a:extLst>
+              </p:cNvPr>
+              <p:cNvSpPr>
+                <a:spLocks noGrp="1"/>
+              </p:cNvSpPr>
+              <p:nvPr>
+                <p:ph idx="1"/>
+              </p:nvPr>
+            </p:nvSpPr>
+            <p:spPr>
+              <a:xfrm>
+                <a:off x="838200" y="2634712"/>
+                <a:ext cx="10606177" cy="3743786"/>
+              </a:xfrm>
+            </p:spPr>
+            <p:txBody>
+              <a:bodyPr anchor="t">
+                <a:normAutofit/>
+              </a:bodyPr>
+              <a:lstStyle/>
+              <a:p>
+                <a:pPr marL="0" indent="0">
+                  <a:buNone/>
+                </a:pPr>
+                <a14:m>
+                  <m:oMathPara xmlns:m="http://schemas.openxmlformats.org/officeDocument/2006/math">
+                    <m:oMathParaPr>
+                      <m:jc m:val="centerGroup"/>
+                    </m:oMathParaPr>
+                    <m:oMath xmlns:m="http://schemas.openxmlformats.org/officeDocument/2006/math">
+                      <m:nary>
+                        <m:naryPr>
+                          <m:chr m:val="∑"/>
+                          <m:supHide m:val="on"/>
+                          <m:ctrlPr>
+                            <a:rPr lang="en-US" i="1">
+                              <a:latin typeface="Cambria Math" panose="02040503050406030204" pitchFamily="18" charset="0"/>
+                            </a:rPr>
+                          </m:ctrlPr>
+                        </m:naryPr>
+                        <m:sub>
+                          <m:r>
+                            <a:rPr lang="en-US" i="1">
+                              <a:latin typeface="Cambria Math" panose="02040503050406030204" pitchFamily="18" charset="0"/>
+                            </a:rPr>
+                            <m:t>𝑖</m:t>
+                          </m:r>
+                          <m:r>
+                            <a:rPr lang="en-US">
+                              <a:latin typeface="Cambria Math" panose="02040503050406030204" pitchFamily="18" charset="0"/>
+                            </a:rPr>
+                            <m:t>∈</m:t>
+                          </m:r>
+                          <m:r>
+                            <a:rPr lang="en-US" i="1">
+                              <a:latin typeface="Cambria Math" panose="02040503050406030204" pitchFamily="18" charset="0"/>
+                            </a:rPr>
+                            <m:t>𝑀</m:t>
+                          </m:r>
+                        </m:sub>
+                        <m:sup/>
+                        <m:e>
+                          <m:sSub>
+                            <m:sSubPr>
+                              <m:ctrlPr>
+                                <a:rPr lang="en-US" i="1">
+                                  <a:latin typeface="Cambria Math" panose="02040503050406030204" pitchFamily="18" charset="0"/>
+                                </a:rPr>
+                              </m:ctrlPr>
+                            </m:sSubPr>
+                            <m:e>
+                              <m:r>
+                                <a:rPr lang="en-US" i="1">
+                                  <a:latin typeface="Cambria Math" panose="02040503050406030204" pitchFamily="18" charset="0"/>
+                                </a:rPr>
+                                <m:t>𝑥</m:t>
+                              </m:r>
+                            </m:e>
+                            <m:sub>
+                              <m:r>
+                                <a:rPr lang="en-US" i="1">
+                                  <a:latin typeface="Cambria Math" panose="02040503050406030204" pitchFamily="18" charset="0"/>
+                                </a:rPr>
+                                <m:t>𝑖𝑗</m:t>
+                              </m:r>
+                            </m:sub>
+                          </m:sSub>
+                        </m:e>
+                      </m:nary>
+                      <m:r>
+                        <a:rPr lang="en-US" i="1">
+                          <a:latin typeface="Cambria Math" panose="02040503050406030204" pitchFamily="18" charset="0"/>
+                        </a:rPr>
+                        <m:t>=1, </m:t>
+                      </m:r>
+                      <m:r>
+                        <a:rPr lang="en-US">
+                          <a:latin typeface="Cambria Math" panose="02040503050406030204" pitchFamily="18" charset="0"/>
+                        </a:rPr>
+                        <m:t>∀</m:t>
+                      </m:r>
+                      <m:r>
+                        <a:rPr lang="en-US" i="1">
+                          <a:latin typeface="Cambria Math" panose="02040503050406030204" pitchFamily="18" charset="0"/>
+                        </a:rPr>
+                        <m:t>𝑗</m:t>
+                      </m:r>
+                      <m:r>
+                        <a:rPr lang="en-US">
+                          <a:latin typeface="Cambria Math" panose="02040503050406030204" pitchFamily="18" charset="0"/>
+                        </a:rPr>
+                        <m:t>∈</m:t>
+                      </m:r>
+                      <m:r>
+                        <a:rPr lang="en-US" i="1">
+                          <a:latin typeface="Cambria Math" panose="02040503050406030204" pitchFamily="18" charset="0"/>
+                        </a:rPr>
+                        <m:t>𝑁</m:t>
+                      </m:r>
+                    </m:oMath>
+                  </m:oMathPara>
+                </a14:m>
+                <a:endParaRPr lang="en-US" dirty="0"/>
+              </a:p>
+              <a:p>
+                <a:pPr marL="0" indent="0">
+                  <a:buNone/>
+                </a:pPr>
+                <a:endParaRPr lang="en-US" dirty="0"/>
+              </a:p>
+              <a:p>
+                <a:pPr marL="0" indent="0">
+                  <a:buNone/>
+                </a:pPr>
+                <a14:m>
+                  <m:oMathPara xmlns:m="http://schemas.openxmlformats.org/officeDocument/2006/math">
+                    <m:oMathParaPr>
+                      <m:jc m:val="centerGroup"/>
+                    </m:oMathParaPr>
+                    <m:oMath xmlns:m="http://schemas.openxmlformats.org/officeDocument/2006/math">
+                      <m:nary>
+                        <m:naryPr>
+                          <m:chr m:val="∑"/>
+                          <m:supHide m:val="on"/>
+                          <m:ctrlPr>
+                            <a:rPr lang="en-US" i="1">
+                              <a:latin typeface="Cambria Math" panose="02040503050406030204" pitchFamily="18" charset="0"/>
+                            </a:rPr>
+                          </m:ctrlPr>
+                        </m:naryPr>
+                        <m:sub>
+                          <m:r>
+                            <a:rPr lang="en-US" i="1">
+                              <a:latin typeface="Cambria Math" panose="02040503050406030204" pitchFamily="18" charset="0"/>
+                            </a:rPr>
+                            <m:t>𝑗</m:t>
+                          </m:r>
+                          <m:r>
+                            <a:rPr lang="en-US">
+                              <a:latin typeface="Cambria Math" panose="02040503050406030204" pitchFamily="18" charset="0"/>
+                            </a:rPr>
+                            <m:t>∈</m:t>
+                          </m:r>
+                          <m:r>
+                            <a:rPr lang="en-US" i="1">
+                              <a:latin typeface="Cambria Math" panose="02040503050406030204" pitchFamily="18" charset="0"/>
+                            </a:rPr>
+                            <m:t>𝑁</m:t>
+                          </m:r>
+                        </m:sub>
+                        <m:sup/>
+                        <m:e>
+                          <m:sSub>
+                            <m:sSubPr>
+                              <m:ctrlPr>
+                                <a:rPr lang="en-US" i="1">
+                                  <a:latin typeface="Cambria Math" panose="02040503050406030204" pitchFamily="18" charset="0"/>
+                                </a:rPr>
+                              </m:ctrlPr>
+                            </m:sSubPr>
+                            <m:e>
+                              <m:r>
+                                <a:rPr lang="en-US" i="1">
+                                  <a:latin typeface="Cambria Math" panose="02040503050406030204" pitchFamily="18" charset="0"/>
+                                </a:rPr>
+                                <m:t>𝑥</m:t>
+                              </m:r>
+                            </m:e>
+                            <m:sub>
+                              <m:r>
+                                <a:rPr lang="en-US" i="1">
+                                  <a:latin typeface="Cambria Math" panose="02040503050406030204" pitchFamily="18" charset="0"/>
+                                </a:rPr>
+                                <m:t>𝑖𝑗</m:t>
+                              </m:r>
+                            </m:sub>
+                          </m:sSub>
+                        </m:e>
+                      </m:nary>
+                      <m:r>
+                        <a:rPr lang="en-US" i="1">
+                          <a:latin typeface="Cambria Math" panose="02040503050406030204" pitchFamily="18" charset="0"/>
+                        </a:rPr>
+                        <m:t>≤1, </m:t>
+                      </m:r>
+                      <m:r>
+                        <a:rPr lang="en-US">
+                          <a:latin typeface="Cambria Math" panose="02040503050406030204" pitchFamily="18" charset="0"/>
+                        </a:rPr>
+                        <m:t>∀</m:t>
+                      </m:r>
+                      <m:r>
+                        <a:rPr lang="en-US" i="1">
+                          <a:latin typeface="Cambria Math" panose="02040503050406030204" pitchFamily="18" charset="0"/>
+                        </a:rPr>
+                        <m:t>𝑖</m:t>
+                      </m:r>
+                      <m:r>
+                        <a:rPr lang="en-US">
+                          <a:latin typeface="Cambria Math" panose="02040503050406030204" pitchFamily="18" charset="0"/>
+                        </a:rPr>
+                        <m:t>∈</m:t>
+                      </m:r>
+                      <m:r>
+                        <a:rPr lang="en-US" i="1">
+                          <a:latin typeface="Cambria Math" panose="02040503050406030204" pitchFamily="18" charset="0"/>
+                        </a:rPr>
+                        <m:t>𝑀</m:t>
+                      </m:r>
+                    </m:oMath>
+                  </m:oMathPara>
+                </a14:m>
+                <a:endParaRPr lang="en-US" dirty="0"/>
+              </a:p>
+              <a:p>
+                <a:pPr marL="0" indent="0">
+                  <a:buNone/>
+                </a:pPr>
+                <a:endParaRPr lang="en-US" dirty="0"/>
+              </a:p>
+            </p:txBody>
+          </p:sp>
+        </mc:Choice>
+        <mc:Fallback xmlns="">
+          <p:sp>
+            <p:nvSpPr>
+              <p:cNvPr id="3" name="Content Placeholder 2">
+                <a:extLst>
+                  <a:ext uri="{FF2B5EF4-FFF2-40B4-BE49-F238E27FC236}">
+                    <a16:creationId xmlns:a16="http://schemas.microsoft.com/office/drawing/2014/main" id="{8BA841ED-082A-9190-9B77-F7184B129FD7}"/>
+                  </a:ext>
+                </a:extLst>
+              </p:cNvPr>
+              <p:cNvSpPr>
+                <a:spLocks noGrp="1" noRot="1" noChangeAspect="1" noMove="1" noResize="1" noEditPoints="1" noAdjustHandles="1" noChangeArrowheads="1" noChangeShapeType="1" noTextEdit="1"/>
+              </p:cNvSpPr>
+              <p:nvPr>
+                <p:ph idx="1"/>
+              </p:nvPr>
+            </p:nvSpPr>
+            <p:spPr>
+              <a:xfrm>
+                <a:off x="838200" y="2634712"/>
+                <a:ext cx="10606177" cy="3743786"/>
+              </a:xfrm>
+              <a:blipFill>
+                <a:blip r:embed="rId2"/>
+                <a:stretch>
+                  <a:fillRect t="-41554" b="-22297"/>
+                </a:stretch>
+              </a:blipFill>
+            </p:spPr>
+            <p:txBody>
+              <a:bodyPr/>
+              <a:lstStyle/>
+              <a:p>
+                <a:r>
+                  <a:rPr lang="en-US">
+                    <a:noFill/>
+                  </a:rPr>
+                  <a:t> </a:t>
+                </a:r>
+              </a:p>
+            </p:txBody>
+          </p:sp>
+        </mc:Fallback>
+      </mc:AlternateContent>
+      <p:pic>
+        <p:nvPicPr>
+          <p:cNvPr id="4" name="Picture 6">
+            <a:extLst>
+              <a:ext uri="{FF2B5EF4-FFF2-40B4-BE49-F238E27FC236}">
+                <a16:creationId xmlns:a16="http://schemas.microsoft.com/office/drawing/2014/main" id="{A63AF984-54AC-8BD4-BDAF-CC95E431BC4C}"/>
+              </a:ext>
+            </a:extLst>
+          </p:cNvPr>
+          <p:cNvPicPr>
+            <a:picLocks noChangeAspect="1" noChangeArrowheads="1"/>
+          </p:cNvPicPr>
+          <p:nvPr/>
+        </p:nvPicPr>
+        <p:blipFill>
+          <a:blip r:embed="rId3">
+            <a:extLst>
+              <a:ext uri="{28A0092B-C50C-407E-A947-70E740481C1C}">
+                <a14:useLocalDpi xmlns:a14="http://schemas.microsoft.com/office/drawing/2010/main" val="0"/>
+              </a:ext>
+            </a:extLst>
+          </a:blip>
+          <a:srcRect/>
+          <a:stretch>
+            <a:fillRect/>
+          </a:stretch>
+        </p:blipFill>
+        <p:spPr bwMode="auto">
+          <a:xfrm>
+            <a:off x="11047411" y="231446"/>
+            <a:ext cx="788859" cy="1081177"/>
+          </a:xfrm>
+          <a:prstGeom prst="rect">
+            <a:avLst/>
+          </a:prstGeom>
+          <a:noFill/>
+          <a:extLst>
+            <a:ext uri="{909E8E84-426E-40DD-AFC4-6F175D3DCCD1}">
+              <a14:hiddenFill xmlns:a14="http://schemas.microsoft.com/office/drawing/2010/main">
+                <a:solidFill>
+                  <a:srgbClr val="FFFFFF"/>
+                </a:solidFill>
+              </a14:hiddenFill>
+            </a:ext>
+          </a:extLst>
+        </p:spPr>
+      </p:pic>
+      <p:sp>
+        <p:nvSpPr>
+          <p:cNvPr id="7" name="Title 11">
+            <a:extLst>
+              <a:ext uri="{FF2B5EF4-FFF2-40B4-BE49-F238E27FC236}">
+                <a16:creationId xmlns:a16="http://schemas.microsoft.com/office/drawing/2014/main" id="{9FA262E0-B94F-2C24-E470-6BC43BFA17AB}"/>
+              </a:ext>
+            </a:extLst>
+          </p:cNvPr>
+          <p:cNvSpPr txBox="1">
+            <a:spLocks/>
+          </p:cNvSpPr>
+          <p:nvPr/>
+        </p:nvSpPr>
+        <p:spPr>
+          <a:xfrm>
+            <a:off x="838200" y="365126"/>
+            <a:ext cx="10515600" cy="813818"/>
+          </a:xfrm>
+          <a:prstGeom prst="rect">
+            <a:avLst/>
+          </a:prstGeom>
+        </p:spPr>
+        <p:txBody>
+          <a:bodyPr vert="horz" lIns="91440" tIns="45720" rIns="91440" bIns="45720" rtlCol="0" anchor="ctr">
+            <a:normAutofit/>
+          </a:bodyPr>
+          <a:lstStyle>
+            <a:lvl1pPr algn="l" defTabSz="914400" rtl="0" eaLnBrk="1" latinLnBrk="0" hangingPunct="1">
+              <a:lnSpc>
+                <a:spcPct val="90000"/>
+              </a:lnSpc>
+              <a:spcBef>
+                <a:spcPct val="0"/>
+              </a:spcBef>
+              <a:buNone/>
+              <a:defRPr sz="4400" kern="1200">
+                <a:solidFill>
+                  <a:schemeClr val="tx1"/>
+                </a:solidFill>
+                <a:latin typeface="+mj-lt"/>
+                <a:ea typeface="+mj-ea"/>
+                <a:cs typeface="+mj-cs"/>
+              </a:defRPr>
+            </a:lvl1pPr>
+          </a:lstStyle>
+          <a:p>
+            <a:r>
+              <a:rPr lang="en-US" dirty="0"/>
+              <a:t>Assignment Constraints</a:t>
+            </a:r>
+          </a:p>
+        </p:txBody>
+      </p:sp>
+    </p:spTree>
+    <p:extLst>
+      <p:ext uri="{BB962C8B-B14F-4D97-AF65-F5344CB8AC3E}">
+        <p14:creationId xmlns:p14="http://schemas.microsoft.com/office/powerpoint/2010/main" val="38573106"/>
+      </p:ext>
+    </p:extLst>
+  </p:cSld>
+  <p:clrMapOvr>
+    <a:masterClrMapping/>
+  </p:clrMapOvr>
+</p:sld>
+</file>
+
+<file path=ppt/slides/slide11.xml><?xml version="1.0" encoding="utf-8"?>
+<p:sld xmlns:a="http://schemas.openxmlformats.org/drawingml/2006/main" xmlns:r="http://schemas.openxmlformats.org/officeDocument/2006/relationships" xmlns:p="http://schemas.openxmlformats.org/presentationml/2006/main">
+  <p:cSld>
+    <p:bg>
+      <p:bgPr>
+        <a:gradFill>
+          <a:gsLst>
+            <a:gs pos="0">
+              <a:schemeClr val="bg1">
+                <a:tint val="98000"/>
+                <a:hueMod val="94000"/>
+                <a:satMod val="148000"/>
+                <a:lumMod val="150000"/>
+              </a:schemeClr>
+            </a:gs>
+            <a:gs pos="100000">
+              <a:schemeClr val="bg1">
+                <a:shade val="92000"/>
+                <a:hueMod val="104000"/>
+                <a:satMod val="140000"/>
+                <a:lumMod val="68000"/>
+              </a:schemeClr>
+            </a:gs>
+          </a:gsLst>
+          <a:lin ang="5040000" scaled="0"/>
+        </a:gradFill>
+        <a:effectLst/>
+      </p:bgPr>
+    </p:bg>
+    <p:spTree>
+      <p:nvGrpSpPr>
+        <p:cNvPr id="1" name="">
+          <a:extLst>
+            <a:ext uri="{FF2B5EF4-FFF2-40B4-BE49-F238E27FC236}">
               <a16:creationId xmlns:a16="http://schemas.microsoft.com/office/drawing/2014/main" id="{916561DA-784B-7DF9-9554-20CA8497856E}"/>
             </a:ext>
           </a:extLst>
@@ -3745,8 +4213,8 @@
           <a:chExt cx="0" cy="0"/>
         </a:xfrm>
       </p:grpSpPr>
-      <mc:AlternateContent xmlns:mc="http://schemas.openxmlformats.org/markup-compatibility/2006">
-        <mc:Choice xmlns:a14="http://schemas.microsoft.com/office/drawing/2010/main" Requires="a14">
+      <mc:AlternateContent xmlns:mc="http://schemas.openxmlformats.org/markup-compatibility/2006" xmlns:a14="http://schemas.microsoft.com/office/drawing/2010/main">
+        <mc:Choice Requires="a14">
           <p:sp>
             <p:nvSpPr>
               <p:cNvPr id="3" name="Content Placeholder 2">
@@ -3789,44 +4257,60 @@
                           <m:chr m:val="∑"/>
                           <m:supHide m:val="on"/>
                           <m:ctrlPr>
-                            <a:rPr lang="en-US" i="1"/>
+                            <a:rPr lang="en-US" i="1">
+                              <a:latin typeface="Cambria Math" panose="02040503050406030204" pitchFamily="18" charset="0"/>
+                            </a:rPr>
                           </m:ctrlPr>
                         </m:naryPr>
                         <m:sub>
                           <m:r>
-                            <a:rPr lang="en-US" i="1"/>
+                            <a:rPr lang="en-US" i="1">
+                              <a:latin typeface="Cambria Math" panose="02040503050406030204" pitchFamily="18" charset="0"/>
+                            </a:rPr>
                             <m:t>𝑖</m:t>
                           </m:r>
                           <m:r>
-                            <a:rPr lang="en-US"/>
+                            <a:rPr lang="en-US">
+                              <a:latin typeface="Cambria Math" panose="02040503050406030204" pitchFamily="18" charset="0"/>
+                            </a:rPr>
                             <m:t>∈</m:t>
                           </m:r>
                           <m:r>
-                            <a:rPr lang="en-US" i="1"/>
+                            <a:rPr lang="en-US" i="1">
+                              <a:latin typeface="Cambria Math" panose="02040503050406030204" pitchFamily="18" charset="0"/>
+                            </a:rPr>
                             <m:t>𝑀</m:t>
                           </m:r>
                         </m:sub>
                         <m:sup/>
                         <m:e>
                           <m:r>
-                            <a:rPr lang="en-US" i="1"/>
+                            <a:rPr lang="en-US" i="1">
+                              <a:latin typeface="Cambria Math" panose="02040503050406030204" pitchFamily="18" charset="0"/>
+                            </a:rPr>
                             <m:t>𝑎𝑑</m:t>
                           </m:r>
                           <m:sSub>
                             <m:sSubPr>
                               <m:ctrlPr>
-                                <a:rPr lang="en-US" i="1"/>
+                                <a:rPr lang="en-US" i="1">
+                                  <a:latin typeface="Cambria Math" panose="02040503050406030204" pitchFamily="18" charset="0"/>
+                                </a:rPr>
                               </m:ctrlPr>
                             </m:sSubPr>
                             <m:e>
                               <m:r>
-                                <a:rPr lang="en-US" i="1"/>
+                                <a:rPr lang="en-US" i="1">
+                                  <a:latin typeface="Cambria Math" panose="02040503050406030204" pitchFamily="18" charset="0"/>
+                                </a:rPr>
                                 <m:t>𝑝</m:t>
                               </m:r>
                             </m:e>
                             <m:sub>
                               <m:r>
-                                <a:rPr lang="en-US" i="1"/>
+                                <a:rPr lang="en-US" i="1">
+                                  <a:latin typeface="Cambria Math" panose="02040503050406030204" pitchFamily="18" charset="0"/>
+                                </a:rPr>
                                 <m:t>𝑖</m:t>
                               </m:r>
                             </m:sub>
@@ -3834,18 +4318,24 @@
                           <m:sSub>
                             <m:sSubPr>
                               <m:ctrlPr>
-                                <a:rPr lang="en-US" i="1"/>
+                                <a:rPr lang="en-US" i="1">
+                                  <a:latin typeface="Cambria Math" panose="02040503050406030204" pitchFamily="18" charset="0"/>
+                                </a:rPr>
                               </m:ctrlPr>
                             </m:sSubPr>
                             <m:e>
                               <m:r>
-                                <a:rPr lang="en-US" i="1"/>
+                                <a:rPr lang="en-US" i="1">
+                                  <a:latin typeface="Cambria Math" panose="02040503050406030204" pitchFamily="18" charset="0"/>
+                                </a:rPr>
                                 <m:t>𝑥</m:t>
                               </m:r>
                             </m:e>
                             <m:sub>
                               <m:r>
-                                <a:rPr lang="en-US" i="1"/>
+                                <a:rPr lang="en-US" i="1">
+                                  <a:latin typeface="Cambria Math" panose="02040503050406030204" pitchFamily="18" charset="0"/>
+                                </a:rPr>
                                 <m:t>𝑖𝑗</m:t>
                               </m:r>
                             </m:sub>
@@ -3853,36 +4343,50 @@
                         </m:e>
                       </m:nary>
                       <m:r>
-                        <a:rPr lang="en-US" i="1"/>
+                        <a:rPr lang="en-US" i="1">
+                          <a:latin typeface="Cambria Math" panose="02040503050406030204" pitchFamily="18" charset="0"/>
+                        </a:rPr>
                         <m:t>≥12</m:t>
                       </m:r>
                       <m:d>
                         <m:dPr>
                           <m:ctrlPr>
-                            <a:rPr lang="en-US" i="1"/>
+                            <a:rPr lang="en-US" i="1">
+                              <a:latin typeface="Cambria Math" panose="02040503050406030204" pitchFamily="18" charset="0"/>
+                            </a:rPr>
                           </m:ctrlPr>
                         </m:dPr>
                         <m:e>
                           <m:r>
-                            <a:rPr lang="en-US" i="1"/>
+                            <a:rPr lang="en-US" i="1">
+                              <a:latin typeface="Cambria Math" panose="02040503050406030204" pitchFamily="18" charset="0"/>
+                            </a:rPr>
                             <m:t>𝑗</m:t>
                           </m:r>
                           <m:r>
-                            <a:rPr lang="en-US" i="1"/>
+                            <a:rPr lang="en-US" i="1">
+                              <a:latin typeface="Cambria Math" panose="02040503050406030204" pitchFamily="18" charset="0"/>
+                            </a:rPr>
                             <m:t>−1</m:t>
                           </m:r>
                         </m:e>
                       </m:d>
                       <m:r>
-                        <a:rPr lang="en-US" i="1"/>
+                        <a:rPr lang="en-US" i="1">
+                          <a:latin typeface="Cambria Math" panose="02040503050406030204" pitchFamily="18" charset="0"/>
+                        </a:rPr>
                         <m:t>+6, </m:t>
                       </m:r>
                       <m:r>
-                        <a:rPr lang="en-US" i="1"/>
+                        <a:rPr lang="en-US" i="1">
+                          <a:latin typeface="Cambria Math" panose="02040503050406030204" pitchFamily="18" charset="0"/>
+                        </a:rPr>
                         <m:t>𝑗</m:t>
                       </m:r>
                       <m:r>
-                        <a:rPr lang="en-US" i="1"/>
+                        <a:rPr lang="en-US" i="1">
+                          <a:latin typeface="Cambria Math" panose="02040503050406030204" pitchFamily="18" charset="0"/>
+                        </a:rPr>
                         <m:t>=1, 3, 5,…, 13</m:t>
                       </m:r>
                     </m:oMath>
@@ -3908,44 +4412,60 @@
                           <m:chr m:val="∑"/>
                           <m:supHide m:val="on"/>
                           <m:ctrlPr>
-                            <a:rPr lang="en-US" i="1"/>
+                            <a:rPr lang="en-US" i="1">
+                              <a:latin typeface="Cambria Math" panose="02040503050406030204" pitchFamily="18" charset="0"/>
+                            </a:rPr>
                           </m:ctrlPr>
                         </m:naryPr>
                         <m:sub>
                           <m:r>
-                            <a:rPr lang="en-US" i="1"/>
+                            <a:rPr lang="en-US" i="1">
+                              <a:latin typeface="Cambria Math" panose="02040503050406030204" pitchFamily="18" charset="0"/>
+                            </a:rPr>
                             <m:t>𝑖</m:t>
                           </m:r>
                           <m:r>
-                            <a:rPr lang="en-US"/>
+                            <a:rPr lang="en-US">
+                              <a:latin typeface="Cambria Math" panose="02040503050406030204" pitchFamily="18" charset="0"/>
+                            </a:rPr>
                             <m:t>∈</m:t>
                           </m:r>
                           <m:r>
-                            <a:rPr lang="en-US" i="1"/>
+                            <a:rPr lang="en-US" i="1">
+                              <a:latin typeface="Cambria Math" panose="02040503050406030204" pitchFamily="18" charset="0"/>
+                            </a:rPr>
                             <m:t>𝑀</m:t>
                           </m:r>
                         </m:sub>
                         <m:sup/>
                         <m:e>
                           <m:r>
-                            <a:rPr lang="en-US" i="1"/>
+                            <a:rPr lang="en-US" i="1">
+                              <a:latin typeface="Cambria Math" panose="02040503050406030204" pitchFamily="18" charset="0"/>
+                            </a:rPr>
                             <m:t>𝑎𝑑</m:t>
                           </m:r>
                           <m:sSub>
                             <m:sSubPr>
                               <m:ctrlPr>
-                                <a:rPr lang="en-US" i="1"/>
+                                <a:rPr lang="en-US" i="1">
+                                  <a:latin typeface="Cambria Math" panose="02040503050406030204" pitchFamily="18" charset="0"/>
+                                </a:rPr>
                               </m:ctrlPr>
                             </m:sSubPr>
                             <m:e>
                               <m:r>
-                                <a:rPr lang="en-US" i="1"/>
+                                <a:rPr lang="en-US" i="1">
+                                  <a:latin typeface="Cambria Math" panose="02040503050406030204" pitchFamily="18" charset="0"/>
+                                </a:rPr>
                                 <m:t>𝑝</m:t>
                               </m:r>
                             </m:e>
                             <m:sub>
                               <m:r>
-                                <a:rPr lang="en-US" i="1"/>
+                                <a:rPr lang="en-US" i="1">
+                                  <a:latin typeface="Cambria Math" panose="02040503050406030204" pitchFamily="18" charset="0"/>
+                                </a:rPr>
                                 <m:t>𝑖</m:t>
                               </m:r>
                             </m:sub>
@@ -3953,18 +4473,24 @@
                           <m:sSub>
                             <m:sSubPr>
                               <m:ctrlPr>
-                                <a:rPr lang="en-US" i="1"/>
+                                <a:rPr lang="en-US" i="1">
+                                  <a:latin typeface="Cambria Math" panose="02040503050406030204" pitchFamily="18" charset="0"/>
+                                </a:rPr>
                               </m:ctrlPr>
                             </m:sSubPr>
                             <m:e>
                               <m:r>
-                                <a:rPr lang="en-US" i="1"/>
+                                <a:rPr lang="en-US" i="1">
+                                  <a:latin typeface="Cambria Math" panose="02040503050406030204" pitchFamily="18" charset="0"/>
+                                </a:rPr>
                                 <m:t>𝑥</m:t>
                               </m:r>
                             </m:e>
                             <m:sub>
                               <m:r>
-                                <a:rPr lang="en-US" i="1"/>
+                                <a:rPr lang="en-US" i="1">
+                                  <a:latin typeface="Cambria Math" panose="02040503050406030204" pitchFamily="18" charset="0"/>
+                                </a:rPr>
                                 <m:t>𝑖𝑗</m:t>
                               </m:r>
                             </m:sub>
@@ -3972,36 +4498,50 @@
                         </m:e>
                       </m:nary>
                       <m:r>
-                        <a:rPr lang="en-US" i="1"/>
+                        <a:rPr lang="en-US" i="1">
+                          <a:latin typeface="Cambria Math" panose="02040503050406030204" pitchFamily="18" charset="0"/>
+                        </a:rPr>
                         <m:t>≥12</m:t>
                       </m:r>
                       <m:d>
                         <m:dPr>
                           <m:ctrlPr>
-                            <a:rPr lang="en-US" i="1"/>
+                            <a:rPr lang="en-US" i="1">
+                              <a:latin typeface="Cambria Math" panose="02040503050406030204" pitchFamily="18" charset="0"/>
+                            </a:rPr>
                           </m:ctrlPr>
                         </m:dPr>
                         <m:e>
                           <m:r>
-                            <a:rPr lang="en-US" i="1"/>
+                            <a:rPr lang="en-US" i="1">
+                              <a:latin typeface="Cambria Math" panose="02040503050406030204" pitchFamily="18" charset="0"/>
+                            </a:rPr>
                             <m:t>𝑗</m:t>
                           </m:r>
                           <m:r>
-                            <a:rPr lang="en-US" i="1"/>
+                            <a:rPr lang="en-US" i="1">
+                              <a:latin typeface="Cambria Math" panose="02040503050406030204" pitchFamily="18" charset="0"/>
+                            </a:rPr>
                             <m:t>−1</m:t>
                           </m:r>
                         </m:e>
                       </m:d>
                       <m:r>
-                        <a:rPr lang="en-US" i="1"/>
+                        <a:rPr lang="en-US" i="1">
+                          <a:latin typeface="Cambria Math" panose="02040503050406030204" pitchFamily="18" charset="0"/>
+                        </a:rPr>
                         <m:t>+7, </m:t>
                       </m:r>
                       <m:r>
-                        <a:rPr lang="en-US" i="1"/>
+                        <a:rPr lang="en-US" i="1">
+                          <a:latin typeface="Cambria Math" panose="02040503050406030204" pitchFamily="18" charset="0"/>
+                        </a:rPr>
                         <m:t>𝑗</m:t>
                       </m:r>
                       <m:r>
-                        <a:rPr lang="en-US" i="1"/>
+                        <a:rPr lang="en-US" i="1">
+                          <a:latin typeface="Cambria Math" panose="02040503050406030204" pitchFamily="18" charset="0"/>
+                        </a:rPr>
                         <m:t>=2, 4, 6,…, 14</m:t>
                       </m:r>
                     </m:oMath>
@@ -4018,7 +4558,7 @@
             </p:txBody>
           </p:sp>
         </mc:Choice>
-        <mc:Fallback>
+        <mc:Fallback xmlns="">
           <p:sp>
             <p:nvSpPr>
               <p:cNvPr id="3" name="Content Placeholder 2">
@@ -4176,7 +4716,7 @@
 </p:sld>
 </file>
 
-<file path=ppt/slides/slide11.xml><?xml version="1.0" encoding="utf-8"?>
+<file path=ppt/slides/slide12.xml><?xml version="1.0" encoding="utf-8"?>
 <p:sld xmlns:a="http://schemas.openxmlformats.org/drawingml/2006/main" xmlns:r="http://schemas.openxmlformats.org/officeDocument/2006/relationships" xmlns:p="http://schemas.openxmlformats.org/presentationml/2006/main">
   <p:cSld>
     <p:bg>
@@ -4225,8 +4765,8 @@
           <a:chExt cx="0" cy="0"/>
         </a:xfrm>
       </p:grpSpPr>
-      <mc:AlternateContent xmlns:mc="http://schemas.openxmlformats.org/markup-compatibility/2006">
-        <mc:Choice xmlns:a14="http://schemas.microsoft.com/office/drawing/2010/main" Requires="a14">
+      <mc:AlternateContent xmlns:mc="http://schemas.openxmlformats.org/markup-compatibility/2006" xmlns:a14="http://schemas.microsoft.com/office/drawing/2010/main">
+        <mc:Choice Requires="a14">
           <p:sp>
             <p:nvSpPr>
               <p:cNvPr id="3" name="Content Placeholder 2">
@@ -4269,20 +4809,28 @@
                           <m:chr m:val="∑"/>
                           <m:supHide m:val="on"/>
                           <m:ctrlPr>
-                            <a:rPr lang="en-US" i="1"/>
+                            <a:rPr lang="en-US" i="1">
+                              <a:latin typeface="Cambria Math" panose="02040503050406030204" pitchFamily="18" charset="0"/>
+                            </a:rPr>
                           </m:ctrlPr>
                         </m:naryPr>
                         <m:sub>
                           <m:r>
-                            <a:rPr lang="en-US" i="1"/>
+                            <a:rPr lang="en-US" i="1">
+                              <a:latin typeface="Cambria Math" panose="02040503050406030204" pitchFamily="18" charset="0"/>
+                            </a:rPr>
                             <m:t>𝑖</m:t>
                           </m:r>
                           <m:r>
-                            <a:rPr lang="en-US"/>
+                            <a:rPr lang="en-US">
+                              <a:latin typeface="Cambria Math" panose="02040503050406030204" pitchFamily="18" charset="0"/>
+                            </a:rPr>
                             <m:t>∈</m:t>
                           </m:r>
                           <m:r>
-                            <a:rPr lang="en-US" i="1"/>
+                            <a:rPr lang="en-US" i="1">
+                              <a:latin typeface="Cambria Math" panose="02040503050406030204" pitchFamily="18" charset="0"/>
+                            </a:rPr>
                             <m:t>𝑀</m:t>
                           </m:r>
                         </m:sub>
@@ -4293,20 +4841,28 @@
                               <m:chr m:val="∑"/>
                               <m:supHide m:val="on"/>
                               <m:ctrlPr>
-                                <a:rPr lang="en-US" i="1"/>
+                                <a:rPr lang="en-US" i="1">
+                                  <a:latin typeface="Cambria Math" panose="02040503050406030204" pitchFamily="18" charset="0"/>
+                                </a:rPr>
                               </m:ctrlPr>
                             </m:naryPr>
                             <m:sub>
                               <m:r>
-                                <a:rPr lang="en-US" i="1"/>
+                                <a:rPr lang="en-US" i="1">
+                                  <a:latin typeface="Cambria Math" panose="02040503050406030204" pitchFamily="18" charset="0"/>
+                                </a:rPr>
                                 <m:t>𝑗</m:t>
                               </m:r>
                               <m:r>
-                                <a:rPr lang="en-US"/>
+                                <a:rPr lang="en-US">
+                                  <a:latin typeface="Cambria Math" panose="02040503050406030204" pitchFamily="18" charset="0"/>
+                                </a:rPr>
                                 <m:t>∈</m:t>
                               </m:r>
                               <m:r>
-                                <a:rPr lang="en-US" i="1"/>
+                                <a:rPr lang="en-US" i="1">
+                                  <a:latin typeface="Cambria Math" panose="02040503050406030204" pitchFamily="18" charset="0"/>
+                                </a:rPr>
                                 <m:t>𝑁</m:t>
                               </m:r>
                             </m:sub>
@@ -4315,18 +4871,24 @@
                               <m:sSub>
                                 <m:sSubPr>
                                   <m:ctrlPr>
-                                    <a:rPr lang="en-US" i="1"/>
+                                    <a:rPr lang="en-US" i="1">
+                                      <a:latin typeface="Cambria Math" panose="02040503050406030204" pitchFamily="18" charset="0"/>
+                                    </a:rPr>
                                   </m:ctrlPr>
                                 </m:sSubPr>
                                 <m:e>
                                   <m:r>
-                                    <a:rPr lang="en-US" i="1"/>
+                                    <a:rPr lang="en-US" i="1">
+                                      <a:latin typeface="Cambria Math" panose="02040503050406030204" pitchFamily="18" charset="0"/>
+                                    </a:rPr>
                                     <m:t>𝑝</m:t>
                                   </m:r>
                                 </m:e>
                                 <m:sub>
                                   <m:r>
-                                    <a:rPr lang="en-US" i="1"/>
+                                    <a:rPr lang="en-US" i="1">
+                                      <a:latin typeface="Cambria Math" panose="02040503050406030204" pitchFamily="18" charset="0"/>
+                                    </a:rPr>
                                     <m:t>𝑖𝑘</m:t>
                                   </m:r>
                                 </m:sub>
@@ -4334,18 +4896,24 @@
                               <m:sSub>
                                 <m:sSubPr>
                                   <m:ctrlPr>
-                                    <a:rPr lang="en-US" i="1"/>
+                                    <a:rPr lang="en-US" i="1">
+                                      <a:latin typeface="Cambria Math" panose="02040503050406030204" pitchFamily="18" charset="0"/>
+                                    </a:rPr>
                                   </m:ctrlPr>
                                 </m:sSubPr>
                                 <m:e>
                                   <m:r>
-                                    <a:rPr lang="en-US" i="1"/>
+                                    <a:rPr lang="en-US" i="1">
+                                      <a:latin typeface="Cambria Math" panose="02040503050406030204" pitchFamily="18" charset="0"/>
+                                    </a:rPr>
                                     <m:t>𝑥</m:t>
                                   </m:r>
                                 </m:e>
                                 <m:sub>
                                   <m:r>
-                                    <a:rPr lang="en-US" i="1"/>
+                                    <a:rPr lang="en-US" i="1">
+                                      <a:latin typeface="Cambria Math" panose="02040503050406030204" pitchFamily="18" charset="0"/>
+                                    </a:rPr>
                                     <m:t>𝑖𝑗</m:t>
                                   </m:r>
                                 </m:sub>
@@ -4355,50 +4923,70 @@
                         </m:e>
                       </m:nary>
                       <m:r>
-                        <a:rPr lang="en-US" i="1"/>
+                        <a:rPr lang="en-US" i="1">
+                          <a:latin typeface="Cambria Math" panose="02040503050406030204" pitchFamily="18" charset="0"/>
+                        </a:rPr>
                         <m:t>≥</m:t>
                       </m:r>
                       <m:r>
-                        <a:rPr lang="en-US" i="1"/>
+                        <a:rPr lang="en-US" i="1">
+                          <a:latin typeface="Cambria Math" panose="02040503050406030204" pitchFamily="18" charset="0"/>
+                        </a:rPr>
                         <m:t>𝑝𝑜</m:t>
                       </m:r>
                       <m:sSub>
                         <m:sSubPr>
                           <m:ctrlPr>
-                            <a:rPr lang="en-US" i="1"/>
+                            <a:rPr lang="en-US" i="1">
+                              <a:latin typeface="Cambria Math" panose="02040503050406030204" pitchFamily="18" charset="0"/>
+                            </a:rPr>
                           </m:ctrlPr>
                         </m:sSubPr>
                         <m:e>
                           <m:r>
-                            <a:rPr lang="en-US" i="1"/>
+                            <a:rPr lang="en-US" i="1">
+                              <a:latin typeface="Cambria Math" panose="02040503050406030204" pitchFamily="18" charset="0"/>
+                            </a:rPr>
                             <m:t>𝑠</m:t>
                           </m:r>
                         </m:e>
                         <m:sub>
                           <m:r>
-                            <a:rPr lang="en-US" i="1"/>
+                            <a:rPr lang="en-US" i="1">
+                              <a:latin typeface="Cambria Math" panose="02040503050406030204" pitchFamily="18" charset="0"/>
+                            </a:rPr>
                             <m:t>𝑘</m:t>
                           </m:r>
                         </m:sub>
                       </m:sSub>
                       <m:r>
-                        <a:rPr lang="en-US" i="1"/>
+                        <a:rPr lang="en-US" i="1">
+                          <a:latin typeface="Cambria Math" panose="02040503050406030204" pitchFamily="18" charset="0"/>
+                        </a:rPr>
                         <m:t>, </m:t>
                       </m:r>
                       <m:r>
-                        <a:rPr lang="en-US"/>
+                        <a:rPr lang="en-US">
+                          <a:latin typeface="Cambria Math" panose="02040503050406030204" pitchFamily="18" charset="0"/>
+                        </a:rPr>
                         <m:t>∀</m:t>
                       </m:r>
                       <m:r>
-                        <a:rPr lang="en-US" i="1"/>
+                        <a:rPr lang="en-US" i="1">
+                          <a:latin typeface="Cambria Math" panose="02040503050406030204" pitchFamily="18" charset="0"/>
+                        </a:rPr>
                         <m:t>𝑘</m:t>
                       </m:r>
                       <m:r>
-                        <a:rPr lang="en-US"/>
+                        <a:rPr lang="en-US">
+                          <a:latin typeface="Cambria Math" panose="02040503050406030204" pitchFamily="18" charset="0"/>
+                        </a:rPr>
                         <m:t>∈</m:t>
                       </m:r>
                       <m:r>
-                        <a:rPr lang="en-US" i="1"/>
+                        <a:rPr lang="en-US" i="1">
+                          <a:latin typeface="Cambria Math" panose="02040503050406030204" pitchFamily="18" charset="0"/>
+                        </a:rPr>
                         <m:t>𝑃</m:t>
                       </m:r>
                     </m:oMath>
@@ -4424,20 +5012,28 @@
                           <m:chr m:val="∑"/>
                           <m:supHide m:val="on"/>
                           <m:ctrlPr>
-                            <a:rPr lang="en-US" i="1"/>
+                            <a:rPr lang="en-US" i="1">
+                              <a:latin typeface="Cambria Math" panose="02040503050406030204" pitchFamily="18" charset="0"/>
+                            </a:rPr>
                           </m:ctrlPr>
                         </m:naryPr>
                         <m:sub>
                           <m:r>
-                            <a:rPr lang="en-US" i="1"/>
+                            <a:rPr lang="en-US" i="1">
+                              <a:latin typeface="Cambria Math" panose="02040503050406030204" pitchFamily="18" charset="0"/>
+                            </a:rPr>
                             <m:t>𝑖</m:t>
                           </m:r>
                           <m:r>
-                            <a:rPr lang="en-US"/>
+                            <a:rPr lang="en-US">
+                              <a:latin typeface="Cambria Math" panose="02040503050406030204" pitchFamily="18" charset="0"/>
+                            </a:rPr>
                             <m:t>∈</m:t>
                           </m:r>
                           <m:r>
-                            <a:rPr lang="en-US" i="1"/>
+                            <a:rPr lang="en-US" i="1">
+                              <a:latin typeface="Cambria Math" panose="02040503050406030204" pitchFamily="18" charset="0"/>
+                            </a:rPr>
                             <m:t>𝑀</m:t>
                           </m:r>
                         </m:sub>
@@ -4448,20 +5044,28 @@
                               <m:chr m:val="∑"/>
                               <m:supHide m:val="on"/>
                               <m:ctrlPr>
-                                <a:rPr lang="en-US" i="1"/>
+                                <a:rPr lang="en-US" i="1">
+                                  <a:latin typeface="Cambria Math" panose="02040503050406030204" pitchFamily="18" charset="0"/>
+                                </a:rPr>
                               </m:ctrlPr>
                             </m:naryPr>
                             <m:sub>
                               <m:r>
-                                <a:rPr lang="en-US" i="1"/>
+                                <a:rPr lang="en-US" i="1">
+                                  <a:latin typeface="Cambria Math" panose="02040503050406030204" pitchFamily="18" charset="0"/>
+                                </a:rPr>
                                 <m:t>𝑗</m:t>
                               </m:r>
                               <m:r>
-                                <a:rPr lang="en-US"/>
+                                <a:rPr lang="en-US">
+                                  <a:latin typeface="Cambria Math" panose="02040503050406030204" pitchFamily="18" charset="0"/>
+                                </a:rPr>
                                 <m:t>∈</m:t>
                               </m:r>
                               <m:r>
-                                <a:rPr lang="en-US" i="1"/>
+                                <a:rPr lang="en-US" i="1">
+                                  <a:latin typeface="Cambria Math" panose="02040503050406030204" pitchFamily="18" charset="0"/>
+                                </a:rPr>
                                 <m:t>𝑁</m:t>
                               </m:r>
                             </m:sub>
@@ -4470,22 +5074,30 @@
                               <m:sSub>
                                 <m:sSubPr>
                                   <m:ctrlPr>
-                                    <a:rPr lang="en-US" i="1"/>
+                                    <a:rPr lang="en-US" i="1">
+                                      <a:latin typeface="Cambria Math" panose="02040503050406030204" pitchFamily="18" charset="0"/>
+                                    </a:rPr>
                                   </m:ctrlPr>
                                 </m:sSubPr>
                                 <m:e>
                                   <m:r>
-                                    <a:rPr lang="en-US" i="1"/>
+                                    <a:rPr lang="en-US" i="1">
+                                      <a:latin typeface="Cambria Math" panose="02040503050406030204" pitchFamily="18" charset="0"/>
+                                    </a:rPr>
                                     <m:t>𝑝</m:t>
                                   </m:r>
                                 </m:e>
                                 <m:sub>
                                   <m:r>
-                                    <a:rPr lang="en-US" i="1"/>
+                                    <a:rPr lang="en-US" i="1">
+                                      <a:latin typeface="Cambria Math" panose="02040503050406030204" pitchFamily="18" charset="0"/>
+                                    </a:rPr>
                                     <m:t>𝑖</m:t>
                                   </m:r>
                                   <m:r>
-                                    <a:rPr lang="en-US" i="1"/>
+                                    <a:rPr lang="en-US" i="1">
+                                      <a:latin typeface="Cambria Math" panose="02040503050406030204" pitchFamily="18" charset="0"/>
+                                    </a:rPr>
                                     <m:t>,</m:t>
                                   </m:r>
                                   <m:r>
@@ -4500,18 +5112,24 @@
                               <m:sSub>
                                 <m:sSubPr>
                                   <m:ctrlPr>
-                                    <a:rPr lang="en-US" i="1"/>
+                                    <a:rPr lang="en-US" i="1">
+                                      <a:latin typeface="Cambria Math" panose="02040503050406030204" pitchFamily="18" charset="0"/>
+                                    </a:rPr>
                                   </m:ctrlPr>
                                 </m:sSubPr>
                                 <m:e>
                                   <m:r>
-                                    <a:rPr lang="en-US" i="1"/>
+                                    <a:rPr lang="en-US" i="1">
+                                      <a:latin typeface="Cambria Math" panose="02040503050406030204" pitchFamily="18" charset="0"/>
+                                    </a:rPr>
                                     <m:t>𝑥</m:t>
                                   </m:r>
                                 </m:e>
                                 <m:sub>
                                   <m:r>
-                                    <a:rPr lang="en-US" i="1"/>
+                                    <a:rPr lang="en-US" i="1">
+                                      <a:latin typeface="Cambria Math" panose="02040503050406030204" pitchFamily="18" charset="0"/>
+                                    </a:rPr>
                                     <m:t>𝑖𝑗</m:t>
                                   </m:r>
                                 </m:sub>
@@ -4521,11 +5139,15 @@
                         </m:e>
                       </m:nary>
                       <m:r>
-                        <a:rPr lang="en-US"/>
+                        <a:rPr lang="en-US">
+                          <a:latin typeface="Cambria Math" panose="02040503050406030204" pitchFamily="18" charset="0"/>
+                        </a:rPr>
                         <m:t>≤</m:t>
                       </m:r>
                       <m:r>
-                        <a:rPr lang="en-US" i="1"/>
+                        <a:rPr lang="en-US" i="1">
+                          <a:latin typeface="Cambria Math" panose="02040503050406030204" pitchFamily="18" charset="0"/>
+                        </a:rPr>
                         <m:t>2</m:t>
                       </m:r>
                     </m:oMath>
@@ -4542,7 +5164,7 @@
             </p:txBody>
           </p:sp>
         </mc:Choice>
-        <mc:Fallback>
+        <mc:Fallback xmlns="">
           <p:sp>
             <p:nvSpPr>
               <p:cNvPr id="3" name="Content Placeholder 2">
@@ -4700,7 +5322,7 @@
 </p:sld>
 </file>
 
-<file path=ppt/slides/slide12.xml><?xml version="1.0" encoding="utf-8"?>
+<file path=ppt/slides/slide13.xml><?xml version="1.0" encoding="utf-8"?>
 <p:sld xmlns:a="http://schemas.openxmlformats.org/drawingml/2006/main" xmlns:r="http://schemas.openxmlformats.org/officeDocument/2006/relationships" xmlns:p="http://schemas.openxmlformats.org/presentationml/2006/main">
   <p:cSld>
     <p:bg>
@@ -4749,8 +5371,8 @@
           <a:chExt cx="0" cy="0"/>
         </a:xfrm>
       </p:grpSpPr>
-      <mc:AlternateContent xmlns:mc="http://schemas.openxmlformats.org/markup-compatibility/2006">
-        <mc:Choice xmlns:a14="http://schemas.microsoft.com/office/drawing/2010/main" Requires="a14">
+      <mc:AlternateContent xmlns:mc="http://schemas.openxmlformats.org/markup-compatibility/2006" xmlns:a14="http://schemas.microsoft.com/office/drawing/2010/main">
+        <mc:Choice Requires="a14">
           <p:sp>
             <p:nvSpPr>
               <p:cNvPr id="3" name="Content Placeholder 2">
@@ -4793,20 +5415,28 @@
                           <m:chr m:val="∑"/>
                           <m:supHide m:val="on"/>
                           <m:ctrlPr>
-                            <a:rPr lang="en-US" i="1"/>
+                            <a:rPr lang="en-US" i="1">
+                              <a:latin typeface="Cambria Math" panose="02040503050406030204" pitchFamily="18" charset="0"/>
+                            </a:rPr>
                           </m:ctrlPr>
                         </m:naryPr>
                         <m:sub>
                           <m:r>
-                            <a:rPr lang="en-US" i="1"/>
+                            <a:rPr lang="en-US" i="1">
+                              <a:latin typeface="Cambria Math" panose="02040503050406030204" pitchFamily="18" charset="0"/>
+                            </a:rPr>
                             <m:t>𝑖</m:t>
                           </m:r>
                           <m:r>
-                            <a:rPr lang="en-US"/>
+                            <a:rPr lang="en-US">
+                              <a:latin typeface="Cambria Math" panose="02040503050406030204" pitchFamily="18" charset="0"/>
+                            </a:rPr>
                             <m:t>∈</m:t>
                           </m:r>
                           <m:r>
-                            <a:rPr lang="en-US" i="1"/>
+                            <a:rPr lang="en-US" i="1">
+                              <a:latin typeface="Cambria Math" panose="02040503050406030204" pitchFamily="18" charset="0"/>
+                            </a:rPr>
                             <m:t>𝑀</m:t>
                           </m:r>
                         </m:sub>
@@ -4817,20 +5447,28 @@
                               <m:chr m:val="∑"/>
                               <m:supHide m:val="on"/>
                               <m:ctrlPr>
-                                <a:rPr lang="en-US" i="1"/>
+                                <a:rPr lang="en-US" i="1">
+                                  <a:latin typeface="Cambria Math" panose="02040503050406030204" pitchFamily="18" charset="0"/>
+                                </a:rPr>
                               </m:ctrlPr>
                             </m:naryPr>
                             <m:sub>
                               <m:r>
-                                <a:rPr lang="en-US" i="1"/>
+                                <a:rPr lang="en-US" i="1">
+                                  <a:latin typeface="Cambria Math" panose="02040503050406030204" pitchFamily="18" charset="0"/>
+                                </a:rPr>
                                 <m:t>𝑗</m:t>
                               </m:r>
                               <m:r>
-                                <a:rPr lang="en-US"/>
+                                <a:rPr lang="en-US">
+                                  <a:latin typeface="Cambria Math" panose="02040503050406030204" pitchFamily="18" charset="0"/>
+                                </a:rPr>
                                 <m:t>∈</m:t>
                               </m:r>
                               <m:r>
-                                <a:rPr lang="en-US" i="1"/>
+                                <a:rPr lang="en-US" i="1">
+                                  <a:latin typeface="Cambria Math" panose="02040503050406030204" pitchFamily="18" charset="0"/>
+                                </a:rPr>
                                 <m:t>𝑁</m:t>
                               </m:r>
                             </m:sub>
@@ -4839,18 +5477,24 @@
                               <m:sSub>
                                 <m:sSubPr>
                                   <m:ctrlPr>
-                                    <a:rPr lang="en-US" i="1"/>
+                                    <a:rPr lang="en-US" i="1">
+                                      <a:latin typeface="Cambria Math" panose="02040503050406030204" pitchFamily="18" charset="0"/>
+                                    </a:rPr>
                                   </m:ctrlPr>
                                 </m:sSubPr>
                                 <m:e>
                                   <m:r>
-                                    <a:rPr lang="en-US" i="1"/>
+                                    <a:rPr lang="en-US" i="1">
+                                      <a:latin typeface="Cambria Math" panose="02040503050406030204" pitchFamily="18" charset="0"/>
+                                    </a:rPr>
                                     <m:t>𝑏</m:t>
                                   </m:r>
                                 </m:e>
                                 <m:sub>
                                   <m:r>
-                                    <a:rPr lang="en-US" i="1"/>
+                                    <a:rPr lang="en-US" i="1">
+                                      <a:latin typeface="Cambria Math" panose="02040503050406030204" pitchFamily="18" charset="0"/>
+                                    </a:rPr>
                                     <m:t>𝑖𝑙</m:t>
                                   </m:r>
                                 </m:sub>
@@ -4858,18 +5502,24 @@
                               <m:sSub>
                                 <m:sSubPr>
                                   <m:ctrlPr>
-                                    <a:rPr lang="en-US" i="1"/>
+                                    <a:rPr lang="en-US" i="1">
+                                      <a:latin typeface="Cambria Math" panose="02040503050406030204" pitchFamily="18" charset="0"/>
+                                    </a:rPr>
                                   </m:ctrlPr>
                                 </m:sSubPr>
                                 <m:e>
                                   <m:r>
-                                    <a:rPr lang="en-US" i="1"/>
+                                    <a:rPr lang="en-US" i="1">
+                                      <a:latin typeface="Cambria Math" panose="02040503050406030204" pitchFamily="18" charset="0"/>
+                                    </a:rPr>
                                     <m:t>𝑥</m:t>
                                   </m:r>
                                 </m:e>
                                 <m:sub>
                                   <m:r>
-                                    <a:rPr lang="en-US" i="1"/>
+                                    <a:rPr lang="en-US" i="1">
+                                      <a:latin typeface="Cambria Math" panose="02040503050406030204" pitchFamily="18" charset="0"/>
+                                    </a:rPr>
                                     <m:t>𝑖𝑗</m:t>
                                   </m:r>
                                 </m:sub>
@@ -4879,27 +5529,39 @@
                         </m:e>
                       </m:nary>
                       <m:r>
-                        <a:rPr lang="en-US"/>
+                        <a:rPr lang="en-US">
+                          <a:latin typeface="Cambria Math" panose="02040503050406030204" pitchFamily="18" charset="0"/>
+                        </a:rPr>
                         <m:t>≤</m:t>
                       </m:r>
                       <m:r>
-                        <a:rPr lang="en-US" i="1"/>
+                        <a:rPr lang="en-US" i="1">
+                          <a:latin typeface="Cambria Math" panose="02040503050406030204" pitchFamily="18" charset="0"/>
+                        </a:rPr>
                         <m:t>3, </m:t>
                       </m:r>
                       <m:r>
-                        <a:rPr lang="en-US"/>
+                        <a:rPr lang="en-US">
+                          <a:latin typeface="Cambria Math" panose="02040503050406030204" pitchFamily="18" charset="0"/>
+                        </a:rPr>
                         <m:t>∀</m:t>
                       </m:r>
                       <m:r>
-                        <a:rPr lang="en-US" i="1"/>
+                        <a:rPr lang="en-US" i="1">
+                          <a:latin typeface="Cambria Math" panose="02040503050406030204" pitchFamily="18" charset="0"/>
+                        </a:rPr>
                         <m:t>𝑙</m:t>
                       </m:r>
                       <m:r>
-                        <a:rPr lang="en-US"/>
+                        <a:rPr lang="en-US">
+                          <a:latin typeface="Cambria Math" panose="02040503050406030204" pitchFamily="18" charset="0"/>
+                        </a:rPr>
                         <m:t>∈</m:t>
                       </m:r>
                       <m:r>
-                        <a:rPr lang="en-US" i="1"/>
+                        <a:rPr lang="en-US" i="1">
+                          <a:latin typeface="Cambria Math" panose="02040503050406030204" pitchFamily="18" charset="0"/>
+                        </a:rPr>
                         <m:t>𝐵</m:t>
                       </m:r>
                     </m:oMath>
@@ -4916,7 +5578,7 @@
             </p:txBody>
           </p:sp>
         </mc:Choice>
-        <mc:Fallback>
+        <mc:Fallback xmlns="">
           <p:sp>
             <p:nvSpPr>
               <p:cNvPr id="3" name="Content Placeholder 2">
@@ -5074,7 +5736,7 @@
 </p:sld>
 </file>
 
-<file path=ppt/slides/slide13.xml><?xml version="1.0" encoding="utf-8"?>
+<file path=ppt/slides/slide14.xml><?xml version="1.0" encoding="utf-8"?>
 <p:sld xmlns:a="http://schemas.openxmlformats.org/drawingml/2006/main" xmlns:r="http://schemas.openxmlformats.org/officeDocument/2006/relationships" xmlns:p="http://schemas.openxmlformats.org/presentationml/2006/main">
   <p:cSld>
     <p:bg>
@@ -5340,7 +6002,7 @@
             </a:pPr>
             <a:r>
               <a:rPr lang="en-US" dirty="0"/>
-              <a:t>0.1 solve time</a:t>
+              <a:t>0.1 seconds solve time</a:t>
             </a:r>
           </a:p>
           <a:p>
@@ -5405,7 +6067,7 @@
 </p:sld>
 </file>
 
-<file path=ppt/slides/slide14.xml><?xml version="1.0" encoding="utf-8"?>
+<file path=ppt/slides/slide15.xml><?xml version="1.0" encoding="utf-8"?>
 <p:sld xmlns:a="http://schemas.openxmlformats.org/drawingml/2006/main" xmlns:r="http://schemas.openxmlformats.org/officeDocument/2006/relationships" xmlns:p="http://schemas.openxmlformats.org/presentationml/2006/main">
   <p:cSld>
     <p:bg>
@@ -5702,7 +6364,7 @@
 </p:sld>
 </file>
 
-<file path=ppt/slides/slide15.xml><?xml version="1.0" encoding="utf-8"?>
+<file path=ppt/slides/slide16.xml><?xml version="1.0" encoding="utf-8"?>
 <p:sld xmlns:a="http://schemas.openxmlformats.org/drawingml/2006/main" xmlns:r="http://schemas.openxmlformats.org/officeDocument/2006/relationships" xmlns:p="http://schemas.openxmlformats.org/presentationml/2006/main">
   <p:cSld>
     <p:bg>
@@ -5736,7 +6398,7 @@
         <p:cNvPr id="1" name="">
           <a:extLst>
             <a:ext uri="{FF2B5EF4-FFF2-40B4-BE49-F238E27FC236}">
-              <a16:creationId xmlns:a16="http://schemas.microsoft.com/office/drawing/2014/main" id="{2C6FDAB6-B0F5-30A8-2DF6-4B823789F3FA}"/>
+              <a16:creationId xmlns:a16="http://schemas.microsoft.com/office/drawing/2014/main" id="{A0357973-5C5C-FCBD-085F-359C746732C6}"/>
             </a:ext>
           </a:extLst>
         </p:cNvPr>
@@ -5756,7 +6418,7 @@
           <p:cNvPr id="2" name="Title 1">
             <a:extLst>
               <a:ext uri="{FF2B5EF4-FFF2-40B4-BE49-F238E27FC236}">
-                <a16:creationId xmlns:a16="http://schemas.microsoft.com/office/drawing/2014/main" id="{A673719A-9A79-D8BF-FF79-88D3CCA3CCC7}"/>
+                <a16:creationId xmlns:a16="http://schemas.microsoft.com/office/drawing/2014/main" id="{5657EF0A-03C4-F610-758C-535E13A59F0A}"/>
               </a:ext>
             </a:extLst>
           </p:cNvPr>
@@ -5792,7 +6454,7 @@
           <p:cNvPr id="1030" name="Picture 6">
             <a:extLst>
               <a:ext uri="{FF2B5EF4-FFF2-40B4-BE49-F238E27FC236}">
-                <a16:creationId xmlns:a16="http://schemas.microsoft.com/office/drawing/2014/main" id="{DF3E2EE6-159A-725C-0D4E-2429F2E7C7A2}"/>
+                <a16:creationId xmlns:a16="http://schemas.microsoft.com/office/drawing/2014/main" id="{7AB9605D-B43A-9FE0-C7CC-30863489685C}"/>
               </a:ext>
             </a:extLst>
           </p:cNvPr>
@@ -5837,7 +6499,7 @@
     </p:spTree>
     <p:extLst>
       <p:ext uri="{BB962C8B-B14F-4D97-AF65-F5344CB8AC3E}">
-        <p14:creationId xmlns:p14="http://schemas.microsoft.com/office/powerpoint/2010/main" val="3840746307"/>
+        <p14:creationId xmlns:p14="http://schemas.microsoft.com/office/powerpoint/2010/main" val="333785511"/>
       </p:ext>
     </p:extLst>
   </p:cSld>
@@ -5847,7 +6509,7 @@
 </p:sld>
 </file>
 
-<file path=ppt/slides/slide16.xml><?xml version="1.0" encoding="utf-8"?>
+<file path=ppt/slides/slide17.xml><?xml version="1.0" encoding="utf-8"?>
 <p:sld xmlns:a="http://schemas.openxmlformats.org/drawingml/2006/main" xmlns:r="http://schemas.openxmlformats.org/officeDocument/2006/relationships" xmlns:p="http://schemas.openxmlformats.org/presentationml/2006/main">
   <p:cSld>
     <p:bg>
@@ -6060,8 +6722,8 @@
           </a:graphicData>
         </a:graphic>
       </p:graphicFrame>
-      <mc:AlternateContent xmlns:mc="http://schemas.openxmlformats.org/markup-compatibility/2006">
-        <mc:Choice xmlns:a14="http://schemas.microsoft.com/office/drawing/2010/main" Requires="a14">
+      <mc:AlternateContent xmlns:mc="http://schemas.openxmlformats.org/markup-compatibility/2006" xmlns:a14="http://schemas.microsoft.com/office/drawing/2010/main">
+        <mc:Choice Requires="a14">
           <p:sp>
             <p:nvSpPr>
               <p:cNvPr id="3" name="Content Placeholder 2">
@@ -6106,7 +6768,9 @@
                 <a14:m>
                   <m:oMath xmlns:m="http://schemas.openxmlformats.org/officeDocument/2006/math">
                     <m:r>
-                      <a:rPr lang="en-US" i="1"/>
+                      <a:rPr lang="en-US" i="1">
+                        <a:latin typeface="Cambria Math" panose="02040503050406030204" pitchFamily="18" charset="0"/>
+                      </a:rPr>
                       <m:t>𝑖</m:t>
                     </m:r>
                   </m:oMath>
@@ -6120,18 +6784,24 @@
                     <m:sSub>
                       <m:sSubPr>
                         <m:ctrlPr>
-                          <a:rPr lang="en-US" i="1"/>
+                          <a:rPr lang="en-US" i="1">
+                            <a:latin typeface="Cambria Math" panose="02040503050406030204" pitchFamily="18" charset="0"/>
+                          </a:rPr>
                         </m:ctrlPr>
                       </m:sSubPr>
                       <m:e>
                         <m:r>
-                          <a:rPr lang="en-US" i="1"/>
+                          <a:rPr lang="en-US" i="1">
+                            <a:latin typeface="Cambria Math" panose="02040503050406030204" pitchFamily="18" charset="0"/>
+                          </a:rPr>
                           <m:t>𝑐</m:t>
                         </m:r>
                       </m:e>
                       <m:sub>
                         <m:r>
-                          <a:rPr lang="en-US" i="1"/>
+                          <a:rPr lang="en-US" i="1">
+                            <a:latin typeface="Cambria Math" panose="02040503050406030204" pitchFamily="18" charset="0"/>
+                          </a:rPr>
                           <m:t>𝑖</m:t>
                         </m:r>
                       </m:sub>
@@ -6159,7 +6829,7 @@
             </p:txBody>
           </p:sp>
         </mc:Choice>
-        <mc:Fallback>
+        <mc:Fallback xmlns="">
           <p:sp>
             <p:nvSpPr>
               <p:cNvPr id="3" name="Content Placeholder 2">
@@ -6251,7 +6921,7 @@
 </p:sld>
 </file>
 
-<file path=ppt/slides/slide17.xml><?xml version="1.0" encoding="utf-8"?>
+<file path=ppt/slides/slide18.xml><?xml version="1.0" encoding="utf-8"?>
 <p:sld xmlns:a="http://schemas.openxmlformats.org/drawingml/2006/main" xmlns:r="http://schemas.openxmlformats.org/officeDocument/2006/relationships" xmlns:p="http://schemas.openxmlformats.org/presentationml/2006/main">
   <p:cSld>
     <p:bg>
@@ -6565,7 +7235,7 @@
 </p:sld>
 </file>
 
-<file path=ppt/slides/slide18.xml><?xml version="1.0" encoding="utf-8"?>
+<file path=ppt/slides/slide19.xml><?xml version="1.0" encoding="utf-8"?>
 <p:sld xmlns:a="http://schemas.openxmlformats.org/drawingml/2006/main" xmlns:r="http://schemas.openxmlformats.org/officeDocument/2006/relationships" xmlns:p="http://schemas.openxmlformats.org/presentationml/2006/main">
   <p:cSld>
     <p:bg>
@@ -6745,7 +7415,7 @@
           <a:p>
             <a:r>
               <a:rPr lang="en-US" dirty="0"/>
-              <a:t>The benefit from lowering player draft values is not as great as the cost for increasing them</a:t>
+              <a:t>Draft players at their ADP or later; overvaluing players results in significantly lesser roster value</a:t>
             </a:r>
           </a:p>
           <a:p>
@@ -6754,7 +7424,15 @@
           <a:p>
             <a:r>
               <a:rPr lang="en-US" dirty="0"/>
-              <a:t>When considering points per reception, the fewer awarded place more value on running backs</a:t>
+              <a:t>The fewer points awarded per reception place </a:t>
+            </a:r>
+            <a:r>
+              <a:rPr lang="en-US" u="sng" dirty="0"/>
+              <a:t>more</a:t>
+            </a:r>
+            <a:r>
+              <a:rPr lang="en-US" dirty="0"/>
+              <a:t> value on running backs</a:t>
             </a:r>
           </a:p>
           <a:p>
@@ -6763,7 +7441,7 @@
           <a:p>
             <a:r>
               <a:rPr lang="en-US" dirty="0"/>
-              <a:t>Contrary to popular belief, tight ends still hold enough positional value to remain on rosters if that constraint is relaxed.</a:t>
+              <a:t>Contrary to current discourse, tight ends still hold enough positional value to remain on rosters if that constraint is relaxed</a:t>
             </a:r>
           </a:p>
         </p:txBody>
@@ -6772,247 +7450,6 @@
     <p:extLst>
       <p:ext uri="{BB962C8B-B14F-4D97-AF65-F5344CB8AC3E}">
         <p14:creationId xmlns:p14="http://schemas.microsoft.com/office/powerpoint/2010/main" val="1338560008"/>
-      </p:ext>
-    </p:extLst>
-  </p:cSld>
-  <p:clrMapOvr>
-    <a:masterClrMapping/>
-  </p:clrMapOvr>
-</p:sld>
-</file>
-
-<file path=ppt/slides/slide19.xml><?xml version="1.0" encoding="utf-8"?>
-<p:sld xmlns:a="http://schemas.openxmlformats.org/drawingml/2006/main" xmlns:r="http://schemas.openxmlformats.org/officeDocument/2006/relationships" xmlns:p="http://schemas.openxmlformats.org/presentationml/2006/main">
-  <p:cSld>
-    <p:bg>
-      <p:bgPr>
-        <a:gradFill>
-          <a:gsLst>
-            <a:gs pos="0">
-              <a:schemeClr val="bg1">
-                <a:tint val="98000"/>
-                <a:hueMod val="94000"/>
-                <a:satMod val="148000"/>
-                <a:lumMod val="150000"/>
-              </a:schemeClr>
-            </a:gs>
-            <a:gs pos="100000">
-              <a:schemeClr val="bg1">
-                <a:shade val="92000"/>
-                <a:hueMod val="104000"/>
-                <a:satMod val="140000"/>
-                <a:lumMod val="68000"/>
-              </a:schemeClr>
-            </a:gs>
-          </a:gsLst>
-          <a:lin ang="5040000" scaled="0"/>
-        </a:gradFill>
-        <a:effectLst/>
-      </p:bgPr>
-    </p:bg>
-    <p:spTree>
-      <p:nvGrpSpPr>
-        <p:cNvPr id="1" name="">
-          <a:extLst>
-            <a:ext uri="{FF2B5EF4-FFF2-40B4-BE49-F238E27FC236}">
-              <a16:creationId xmlns:a16="http://schemas.microsoft.com/office/drawing/2014/main" id="{DA1F40C2-D3BD-9C1A-D060-797CD8E2AB43}"/>
-            </a:ext>
-          </a:extLst>
-        </p:cNvPr>
-        <p:cNvGrpSpPr/>
-        <p:nvPr/>
-      </p:nvGrpSpPr>
-      <p:grpSpPr>
-        <a:xfrm>
-          <a:off x="0" y="0"/>
-          <a:ext cx="0" cy="0"/>
-          <a:chOff x="0" y="0"/>
-          <a:chExt cx="0" cy="0"/>
-        </a:xfrm>
-      </p:grpSpPr>
-      <p:pic>
-        <p:nvPicPr>
-          <p:cNvPr id="4" name="Picture 6">
-            <a:extLst>
-              <a:ext uri="{FF2B5EF4-FFF2-40B4-BE49-F238E27FC236}">
-                <a16:creationId xmlns:a16="http://schemas.microsoft.com/office/drawing/2014/main" id="{80664340-4509-D537-B406-F4764D27EACF}"/>
-              </a:ext>
-            </a:extLst>
-          </p:cNvPr>
-          <p:cNvPicPr>
-            <a:picLocks noChangeAspect="1" noChangeArrowheads="1"/>
-          </p:cNvPicPr>
-          <p:nvPr/>
-        </p:nvPicPr>
-        <p:blipFill>
-          <a:blip r:embed="rId2">
-            <a:extLst>
-              <a:ext uri="{28A0092B-C50C-407E-A947-70E740481C1C}">
-                <a14:useLocalDpi xmlns:a14="http://schemas.microsoft.com/office/drawing/2010/main" val="0"/>
-              </a:ext>
-            </a:extLst>
-          </a:blip>
-          <a:srcRect/>
-          <a:stretch>
-            <a:fillRect/>
-          </a:stretch>
-        </p:blipFill>
-        <p:spPr bwMode="auto">
-          <a:xfrm>
-            <a:off x="11047411" y="231446"/>
-            <a:ext cx="788859" cy="1081177"/>
-          </a:xfrm>
-          <a:prstGeom prst="rect">
-            <a:avLst/>
-          </a:prstGeom>
-          <a:noFill/>
-          <a:extLst>
-            <a:ext uri="{909E8E84-426E-40DD-AFC4-6F175D3DCCD1}">
-              <a14:hiddenFill xmlns:a14="http://schemas.microsoft.com/office/drawing/2010/main">
-                <a:solidFill>
-                  <a:srgbClr val="FFFFFF"/>
-                </a:solidFill>
-              </a14:hiddenFill>
-            </a:ext>
-          </a:extLst>
-        </p:spPr>
-      </p:pic>
-      <p:sp>
-        <p:nvSpPr>
-          <p:cNvPr id="7" name="Title 11">
-            <a:extLst>
-              <a:ext uri="{FF2B5EF4-FFF2-40B4-BE49-F238E27FC236}">
-                <a16:creationId xmlns:a16="http://schemas.microsoft.com/office/drawing/2014/main" id="{16967137-24EA-5B2F-6C51-254D63706CF6}"/>
-              </a:ext>
-            </a:extLst>
-          </p:cNvPr>
-          <p:cNvSpPr txBox="1">
-            <a:spLocks/>
-          </p:cNvSpPr>
-          <p:nvPr/>
-        </p:nvSpPr>
-        <p:spPr>
-          <a:xfrm>
-            <a:off x="838200" y="462975"/>
-            <a:ext cx="10515600" cy="813818"/>
-          </a:xfrm>
-          <a:prstGeom prst="rect">
-            <a:avLst/>
-          </a:prstGeom>
-        </p:spPr>
-        <p:txBody>
-          <a:bodyPr vert="horz" lIns="91440" tIns="45720" rIns="91440" bIns="45720" rtlCol="0" anchor="ctr">
-            <a:normAutofit/>
-          </a:bodyPr>
-          <a:lstStyle>
-            <a:lvl1pPr algn="l" defTabSz="914400" rtl="0" eaLnBrk="1" latinLnBrk="0" hangingPunct="1">
-              <a:lnSpc>
-                <a:spcPct val="90000"/>
-              </a:lnSpc>
-              <a:spcBef>
-                <a:spcPct val="0"/>
-              </a:spcBef>
-              <a:buNone/>
-              <a:defRPr sz="4400" kern="1200">
-                <a:solidFill>
-                  <a:schemeClr val="tx1"/>
-                </a:solidFill>
-                <a:latin typeface="+mj-lt"/>
-                <a:ea typeface="+mj-ea"/>
-                <a:cs typeface="+mj-cs"/>
-              </a:defRPr>
-            </a:lvl1pPr>
-          </a:lstStyle>
-          <a:p>
-            <a:r>
-              <a:rPr lang="en-US" dirty="0"/>
-              <a:t>Advantages &amp; Limitations</a:t>
-            </a:r>
-          </a:p>
-        </p:txBody>
-      </p:sp>
-      <p:sp>
-        <p:nvSpPr>
-          <p:cNvPr id="3" name="Content Placeholder 2">
-            <a:extLst>
-              <a:ext uri="{FF2B5EF4-FFF2-40B4-BE49-F238E27FC236}">
-                <a16:creationId xmlns:a16="http://schemas.microsoft.com/office/drawing/2014/main" id="{58223630-EDC1-5305-C9F3-D11D20DCB685}"/>
-              </a:ext>
-            </a:extLst>
-          </p:cNvPr>
-          <p:cNvSpPr>
-            <a:spLocks noGrp="1"/>
-          </p:cNvSpPr>
-          <p:nvPr>
-            <p:ph idx="1"/>
-          </p:nvPr>
-        </p:nvSpPr>
-        <p:spPr>
-          <a:xfrm>
-            <a:off x="838201" y="1839952"/>
-            <a:ext cx="10604499" cy="4538546"/>
-          </a:xfrm>
-        </p:spPr>
-        <p:txBody>
-          <a:bodyPr anchor="t">
-            <a:normAutofit/>
-          </a:bodyPr>
-          <a:lstStyle/>
-          <a:p>
-            <a:pPr>
-              <a:buFont typeface="System Font Regular"/>
-              <a:buChar char="x"/>
-            </a:pPr>
-            <a:r>
-              <a:rPr lang="en-US" dirty="0"/>
-              <a:t>Primary assumption: player draft values are deterministic</a:t>
-            </a:r>
-          </a:p>
-          <a:p>
-            <a:endParaRPr lang="en-US" dirty="0"/>
-          </a:p>
-          <a:p>
-            <a:pPr>
-              <a:buFont typeface="System Font Regular"/>
-              <a:buChar char="x"/>
-            </a:pPr>
-            <a:r>
-              <a:rPr lang="en-US" dirty="0"/>
-              <a:t>Model only as useful as projections that power it</a:t>
-            </a:r>
-          </a:p>
-          <a:p>
-            <a:endParaRPr lang="en-US" dirty="0"/>
-          </a:p>
-          <a:p>
-            <a:pPr>
-              <a:buFont typeface="System Font Regular"/>
-              <a:buChar char="x"/>
-            </a:pPr>
-            <a:r>
-              <a:rPr lang="en-US" dirty="0"/>
-              <a:t>Difficult to successfully model more complex elements of a fantasy league: injuries, start-sit decisions, waiver wire additions</a:t>
-            </a:r>
-          </a:p>
-          <a:p>
-            <a:endParaRPr lang="en-US" dirty="0"/>
-          </a:p>
-          <a:p>
-            <a:pPr>
-              <a:buFont typeface="Wingdings" pitchFamily="2" charset="2"/>
-              <a:buChar char="ü"/>
-            </a:pPr>
-            <a:r>
-              <a:rPr lang="en-US" dirty="0"/>
-              <a:t>Fantasy football draft BIP model should be utilized as a strategic guide rather than a firm predictive tool. </a:t>
-            </a:r>
-          </a:p>
-        </p:txBody>
-      </p:sp>
-    </p:spTree>
-    <p:extLst>
-      <p:ext uri="{BB962C8B-B14F-4D97-AF65-F5344CB8AC3E}">
-        <p14:creationId xmlns:p14="http://schemas.microsoft.com/office/powerpoint/2010/main" val="1657516187"/>
       </p:ext>
     </p:extLst>
   </p:cSld>
@@ -7278,7 +7715,7 @@
         <p:cNvPr id="1" name="">
           <a:extLst>
             <a:ext uri="{FF2B5EF4-FFF2-40B4-BE49-F238E27FC236}">
-              <a16:creationId xmlns:a16="http://schemas.microsoft.com/office/drawing/2014/main" id="{298D4778-86EB-DB96-BF2C-C154C70D30E3}"/>
+              <a16:creationId xmlns:a16="http://schemas.microsoft.com/office/drawing/2014/main" id="{DA1F40C2-D3BD-9C1A-D060-797CD8E2AB43}"/>
             </a:ext>
           </a:extLst>
         </p:cNvPr>
@@ -7298,7 +7735,7 @@
           <p:cNvPr id="4" name="Picture 6">
             <a:extLst>
               <a:ext uri="{FF2B5EF4-FFF2-40B4-BE49-F238E27FC236}">
-                <a16:creationId xmlns:a16="http://schemas.microsoft.com/office/drawing/2014/main" id="{B0191F7B-D167-B9C8-0DB6-50D4840A0E9D}"/>
+                <a16:creationId xmlns:a16="http://schemas.microsoft.com/office/drawing/2014/main" id="{80664340-4509-D537-B406-F4764D27EACF}"/>
               </a:ext>
             </a:extLst>
           </p:cNvPr>
@@ -7345,7 +7782,7 @@
           <p:cNvPr id="7" name="Title 11">
             <a:extLst>
               <a:ext uri="{FF2B5EF4-FFF2-40B4-BE49-F238E27FC236}">
-                <a16:creationId xmlns:a16="http://schemas.microsoft.com/office/drawing/2014/main" id="{A0C78E7B-9E38-A1FD-8142-0EC50FABB9FC}"/>
+                <a16:creationId xmlns:a16="http://schemas.microsoft.com/office/drawing/2014/main" id="{16967137-24EA-5B2F-6C51-254D63706CF6}"/>
               </a:ext>
             </a:extLst>
           </p:cNvPr>
@@ -7389,6 +7826,247 @@
           <a:p>
             <a:r>
               <a:rPr lang="en-US" dirty="0"/>
+              <a:t>Advantages &amp; Limitations</a:t>
+            </a:r>
+          </a:p>
+        </p:txBody>
+      </p:sp>
+      <p:sp>
+        <p:nvSpPr>
+          <p:cNvPr id="3" name="Content Placeholder 2">
+            <a:extLst>
+              <a:ext uri="{FF2B5EF4-FFF2-40B4-BE49-F238E27FC236}">
+                <a16:creationId xmlns:a16="http://schemas.microsoft.com/office/drawing/2014/main" id="{58223630-EDC1-5305-C9F3-D11D20DCB685}"/>
+              </a:ext>
+            </a:extLst>
+          </p:cNvPr>
+          <p:cNvSpPr>
+            <a:spLocks noGrp="1"/>
+          </p:cNvSpPr>
+          <p:nvPr>
+            <p:ph idx="1"/>
+          </p:nvPr>
+        </p:nvSpPr>
+        <p:spPr>
+          <a:xfrm>
+            <a:off x="838201" y="1839952"/>
+            <a:ext cx="10604499" cy="4538546"/>
+          </a:xfrm>
+        </p:spPr>
+        <p:txBody>
+          <a:bodyPr anchor="t">
+            <a:normAutofit/>
+          </a:bodyPr>
+          <a:lstStyle/>
+          <a:p>
+            <a:pPr>
+              <a:buFont typeface="System Font Regular"/>
+              <a:buChar char="x"/>
+            </a:pPr>
+            <a:r>
+              <a:rPr lang="en-US" dirty="0"/>
+              <a:t>Primary assumption: player draft values are deterministic</a:t>
+            </a:r>
+          </a:p>
+          <a:p>
+            <a:endParaRPr lang="en-US" dirty="0"/>
+          </a:p>
+          <a:p>
+            <a:pPr>
+              <a:buFont typeface="System Font Regular"/>
+              <a:buChar char="x"/>
+            </a:pPr>
+            <a:r>
+              <a:rPr lang="en-US" dirty="0"/>
+              <a:t>Model only as useful as projections that power it</a:t>
+            </a:r>
+          </a:p>
+          <a:p>
+            <a:endParaRPr lang="en-US" dirty="0"/>
+          </a:p>
+          <a:p>
+            <a:pPr>
+              <a:buFont typeface="System Font Regular"/>
+              <a:buChar char="x"/>
+            </a:pPr>
+            <a:r>
+              <a:rPr lang="en-US" dirty="0"/>
+              <a:t>Difficult to successfully model more complex elements of a fantasy league: injuries, start-sit decisions, waiver wire additions</a:t>
+            </a:r>
+          </a:p>
+          <a:p>
+            <a:endParaRPr lang="en-US" dirty="0"/>
+          </a:p>
+          <a:p>
+            <a:pPr>
+              <a:buFont typeface="Wingdings" pitchFamily="2" charset="2"/>
+              <a:buChar char="ü"/>
+            </a:pPr>
+            <a:r>
+              <a:rPr lang="en-US" dirty="0"/>
+              <a:t>Fantasy football draft BIP model should be utilized as a strategic guide rather than a firm predictive tool</a:t>
+            </a:r>
+          </a:p>
+        </p:txBody>
+      </p:sp>
+    </p:spTree>
+    <p:extLst>
+      <p:ext uri="{BB962C8B-B14F-4D97-AF65-F5344CB8AC3E}">
+        <p14:creationId xmlns:p14="http://schemas.microsoft.com/office/powerpoint/2010/main" val="1657516187"/>
+      </p:ext>
+    </p:extLst>
+  </p:cSld>
+  <p:clrMapOvr>
+    <a:masterClrMapping/>
+  </p:clrMapOvr>
+</p:sld>
+</file>
+
+<file path=ppt/slides/slide21.xml><?xml version="1.0" encoding="utf-8"?>
+<p:sld xmlns:a="http://schemas.openxmlformats.org/drawingml/2006/main" xmlns:r="http://schemas.openxmlformats.org/officeDocument/2006/relationships" xmlns:p="http://schemas.openxmlformats.org/presentationml/2006/main">
+  <p:cSld>
+    <p:bg>
+      <p:bgPr>
+        <a:gradFill>
+          <a:gsLst>
+            <a:gs pos="0">
+              <a:schemeClr val="bg1">
+                <a:tint val="98000"/>
+                <a:hueMod val="94000"/>
+                <a:satMod val="148000"/>
+                <a:lumMod val="150000"/>
+              </a:schemeClr>
+            </a:gs>
+            <a:gs pos="100000">
+              <a:schemeClr val="bg1">
+                <a:shade val="92000"/>
+                <a:hueMod val="104000"/>
+                <a:satMod val="140000"/>
+                <a:lumMod val="68000"/>
+              </a:schemeClr>
+            </a:gs>
+          </a:gsLst>
+          <a:lin ang="5040000" scaled="0"/>
+        </a:gradFill>
+        <a:effectLst/>
+      </p:bgPr>
+    </p:bg>
+    <p:spTree>
+      <p:nvGrpSpPr>
+        <p:cNvPr id="1" name="">
+          <a:extLst>
+            <a:ext uri="{FF2B5EF4-FFF2-40B4-BE49-F238E27FC236}">
+              <a16:creationId xmlns:a16="http://schemas.microsoft.com/office/drawing/2014/main" id="{298D4778-86EB-DB96-BF2C-C154C70D30E3}"/>
+            </a:ext>
+          </a:extLst>
+        </p:cNvPr>
+        <p:cNvGrpSpPr/>
+        <p:nvPr/>
+      </p:nvGrpSpPr>
+      <p:grpSpPr>
+        <a:xfrm>
+          <a:off x="0" y="0"/>
+          <a:ext cx="0" cy="0"/>
+          <a:chOff x="0" y="0"/>
+          <a:chExt cx="0" cy="0"/>
+        </a:xfrm>
+      </p:grpSpPr>
+      <p:pic>
+        <p:nvPicPr>
+          <p:cNvPr id="4" name="Picture 6">
+            <a:extLst>
+              <a:ext uri="{FF2B5EF4-FFF2-40B4-BE49-F238E27FC236}">
+                <a16:creationId xmlns:a16="http://schemas.microsoft.com/office/drawing/2014/main" id="{B0191F7B-D167-B9C8-0DB6-50D4840A0E9D}"/>
+              </a:ext>
+            </a:extLst>
+          </p:cNvPr>
+          <p:cNvPicPr>
+            <a:picLocks noChangeAspect="1" noChangeArrowheads="1"/>
+          </p:cNvPicPr>
+          <p:nvPr/>
+        </p:nvPicPr>
+        <p:blipFill>
+          <a:blip r:embed="rId2">
+            <a:extLst>
+              <a:ext uri="{28A0092B-C50C-407E-A947-70E740481C1C}">
+                <a14:useLocalDpi xmlns:a14="http://schemas.microsoft.com/office/drawing/2010/main" val="0"/>
+              </a:ext>
+            </a:extLst>
+          </a:blip>
+          <a:srcRect/>
+          <a:stretch>
+            <a:fillRect/>
+          </a:stretch>
+        </p:blipFill>
+        <p:spPr bwMode="auto">
+          <a:xfrm>
+            <a:off x="11047411" y="231446"/>
+            <a:ext cx="788859" cy="1081177"/>
+          </a:xfrm>
+          <a:prstGeom prst="rect">
+            <a:avLst/>
+          </a:prstGeom>
+          <a:noFill/>
+          <a:extLst>
+            <a:ext uri="{909E8E84-426E-40DD-AFC4-6F175D3DCCD1}">
+              <a14:hiddenFill xmlns:a14="http://schemas.microsoft.com/office/drawing/2010/main">
+                <a:solidFill>
+                  <a:srgbClr val="FFFFFF"/>
+                </a:solidFill>
+              </a14:hiddenFill>
+            </a:ext>
+          </a:extLst>
+        </p:spPr>
+      </p:pic>
+      <p:sp>
+        <p:nvSpPr>
+          <p:cNvPr id="7" name="Title 11">
+            <a:extLst>
+              <a:ext uri="{FF2B5EF4-FFF2-40B4-BE49-F238E27FC236}">
+                <a16:creationId xmlns:a16="http://schemas.microsoft.com/office/drawing/2014/main" id="{A0C78E7B-9E38-A1FD-8142-0EC50FABB9FC}"/>
+              </a:ext>
+            </a:extLst>
+          </p:cNvPr>
+          <p:cNvSpPr txBox="1">
+            <a:spLocks/>
+          </p:cNvSpPr>
+          <p:nvPr/>
+        </p:nvSpPr>
+        <p:spPr>
+          <a:xfrm>
+            <a:off x="838200" y="462975"/>
+            <a:ext cx="10515600" cy="813818"/>
+          </a:xfrm>
+          <a:prstGeom prst="rect">
+            <a:avLst/>
+          </a:prstGeom>
+        </p:spPr>
+        <p:txBody>
+          <a:bodyPr vert="horz" lIns="91440" tIns="45720" rIns="91440" bIns="45720" rtlCol="0" anchor="ctr">
+            <a:normAutofit/>
+          </a:bodyPr>
+          <a:lstStyle>
+            <a:lvl1pPr algn="l" defTabSz="914400" rtl="0" eaLnBrk="1" latinLnBrk="0" hangingPunct="1">
+              <a:lnSpc>
+                <a:spcPct val="90000"/>
+              </a:lnSpc>
+              <a:spcBef>
+                <a:spcPct val="0"/>
+              </a:spcBef>
+              <a:buNone/>
+              <a:defRPr sz="4400" kern="1200">
+                <a:solidFill>
+                  <a:schemeClr val="tx1"/>
+                </a:solidFill>
+                <a:latin typeface="+mj-lt"/>
+                <a:ea typeface="+mj-ea"/>
+                <a:cs typeface="+mj-cs"/>
+              </a:defRPr>
+            </a:lvl1pPr>
+          </a:lstStyle>
+          <a:p>
+            <a:r>
+              <a:rPr lang="en-US" dirty="0"/>
               <a:t>References</a:t>
             </a:r>
           </a:p>
@@ -7689,7 +8367,7 @@
 </p:sld>
 </file>
 
-<file path=ppt/slides/slide21.xml><?xml version="1.0" encoding="utf-8"?>
+<file path=ppt/slides/slide22.xml><?xml version="1.0" encoding="utf-8"?>
 <p:sld xmlns:a="http://schemas.openxmlformats.org/drawingml/2006/main" xmlns:r="http://schemas.openxmlformats.org/officeDocument/2006/relationships" xmlns:p="http://schemas.openxmlformats.org/presentationml/2006/main">
   <p:cSld>
     <p:bg>
@@ -8283,6 +8961,151 @@
         <p:cNvPr id="1" name="">
           <a:extLst>
             <a:ext uri="{FF2B5EF4-FFF2-40B4-BE49-F238E27FC236}">
+              <a16:creationId xmlns:a16="http://schemas.microsoft.com/office/drawing/2014/main" id="{2C6FDAB6-B0F5-30A8-2DF6-4B823789F3FA}"/>
+            </a:ext>
+          </a:extLst>
+        </p:cNvPr>
+        <p:cNvGrpSpPr/>
+        <p:nvPr/>
+      </p:nvGrpSpPr>
+      <p:grpSpPr>
+        <a:xfrm>
+          <a:off x="0" y="0"/>
+          <a:ext cx="0" cy="0"/>
+          <a:chOff x="0" y="0"/>
+          <a:chExt cx="0" cy="0"/>
+        </a:xfrm>
+      </p:grpSpPr>
+      <p:sp>
+        <p:nvSpPr>
+          <p:cNvPr id="2" name="Title 1">
+            <a:extLst>
+              <a:ext uri="{FF2B5EF4-FFF2-40B4-BE49-F238E27FC236}">
+                <a16:creationId xmlns:a16="http://schemas.microsoft.com/office/drawing/2014/main" id="{A673719A-9A79-D8BF-FF79-88D3CCA3CCC7}"/>
+              </a:ext>
+            </a:extLst>
+          </p:cNvPr>
+          <p:cNvSpPr>
+            <a:spLocks noGrp="1"/>
+          </p:cNvSpPr>
+          <p:nvPr>
+            <p:ph type="ctrTitle"/>
+          </p:nvPr>
+        </p:nvSpPr>
+        <p:spPr>
+          <a:xfrm>
+            <a:off x="1524000" y="1309077"/>
+            <a:ext cx="5891561" cy="2387600"/>
+          </a:xfrm>
+        </p:spPr>
+        <p:txBody>
+          <a:bodyPr>
+            <a:normAutofit/>
+          </a:bodyPr>
+          <a:lstStyle/>
+          <a:p>
+            <a:pPr algn="l"/>
+            <a:r>
+              <a:rPr lang="en-US" dirty="0"/>
+              <a:t>Model Definition</a:t>
+            </a:r>
+          </a:p>
+        </p:txBody>
+      </p:sp>
+      <p:pic>
+        <p:nvPicPr>
+          <p:cNvPr id="1030" name="Picture 6">
+            <a:extLst>
+              <a:ext uri="{FF2B5EF4-FFF2-40B4-BE49-F238E27FC236}">
+                <a16:creationId xmlns:a16="http://schemas.microsoft.com/office/drawing/2014/main" id="{DF3E2EE6-159A-725C-0D4E-2429F2E7C7A2}"/>
+              </a:ext>
+            </a:extLst>
+          </p:cNvPr>
+          <p:cNvPicPr>
+            <a:picLocks noChangeAspect="1" noChangeArrowheads="1"/>
+          </p:cNvPicPr>
+          <p:nvPr/>
+        </p:nvPicPr>
+        <p:blipFill>
+          <a:blip r:embed="rId2">
+            <a:extLst>
+              <a:ext uri="{28A0092B-C50C-407E-A947-70E740481C1C}">
+                <a14:useLocalDpi xmlns:a14="http://schemas.microsoft.com/office/drawing/2010/main" val="0"/>
+              </a:ext>
+            </a:extLst>
+          </a:blip>
+          <a:srcRect/>
+          <a:stretch>
+            <a:fillRect/>
+          </a:stretch>
+        </p:blipFill>
+        <p:spPr bwMode="auto">
+          <a:xfrm>
+            <a:off x="7955897" y="1309077"/>
+            <a:ext cx="2712103" cy="3717095"/>
+          </a:xfrm>
+          <a:prstGeom prst="rect">
+            <a:avLst/>
+          </a:prstGeom>
+          <a:noFill/>
+          <a:extLst>
+            <a:ext uri="{909E8E84-426E-40DD-AFC4-6F175D3DCCD1}">
+              <a14:hiddenFill xmlns:a14="http://schemas.microsoft.com/office/drawing/2010/main">
+                <a:solidFill>
+                  <a:srgbClr val="FFFFFF"/>
+                </a:solidFill>
+              </a14:hiddenFill>
+            </a:ext>
+          </a:extLst>
+        </p:spPr>
+      </p:pic>
+    </p:spTree>
+    <p:extLst>
+      <p:ext uri="{BB962C8B-B14F-4D97-AF65-F5344CB8AC3E}">
+        <p14:creationId xmlns:p14="http://schemas.microsoft.com/office/powerpoint/2010/main" val="3840746307"/>
+      </p:ext>
+    </p:extLst>
+  </p:cSld>
+  <p:clrMapOvr>
+    <a:masterClrMapping/>
+  </p:clrMapOvr>
+</p:sld>
+</file>
+
+<file path=ppt/slides/slide6.xml><?xml version="1.0" encoding="utf-8"?>
+<p:sld xmlns:a="http://schemas.openxmlformats.org/drawingml/2006/main" xmlns:r="http://schemas.openxmlformats.org/officeDocument/2006/relationships" xmlns:p="http://schemas.openxmlformats.org/presentationml/2006/main">
+  <p:cSld>
+    <p:bg>
+      <p:bgPr>
+        <a:gradFill>
+          <a:gsLst>
+            <a:gs pos="0">
+              <a:schemeClr val="bg1">
+                <a:tint val="98000"/>
+                <a:hueMod val="94000"/>
+                <a:satMod val="148000"/>
+                <a:lumMod val="150000"/>
+              </a:schemeClr>
+            </a:gs>
+            <a:gs pos="100000">
+              <a:schemeClr val="bg1">
+                <a:shade val="92000"/>
+                <a:hueMod val="104000"/>
+                <a:satMod val="140000"/>
+                <a:lumMod val="68000"/>
+              </a:schemeClr>
+            </a:gs>
+          </a:gsLst>
+          <a:lin ang="5040000" scaled="0"/>
+        </a:gradFill>
+        <a:effectLst/>
+      </p:bgPr>
+    </p:bg>
+    <p:spTree>
+      <p:nvGrpSpPr>
+        <p:cNvPr id="1" name="">
+          <a:extLst>
+            <a:ext uri="{FF2B5EF4-FFF2-40B4-BE49-F238E27FC236}">
               <a16:creationId xmlns:a16="http://schemas.microsoft.com/office/drawing/2014/main" id="{96733EDA-36A1-E224-782A-0F284142EC3D}"/>
             </a:ext>
           </a:extLst>
@@ -8298,8 +9121,8 @@
           <a:chExt cx="0" cy="0"/>
         </a:xfrm>
       </p:grpSpPr>
-      <mc:AlternateContent xmlns:mc="http://schemas.openxmlformats.org/markup-compatibility/2006">
-        <mc:Choice xmlns:a14="http://schemas.microsoft.com/office/drawing/2010/main" Requires="a14">
+      <mc:AlternateContent xmlns:mc="http://schemas.openxmlformats.org/markup-compatibility/2006" xmlns:a14="http://schemas.microsoft.com/office/drawing/2010/main">
+        <mc:Choice Requires="a14">
           <p:sp>
             <p:nvSpPr>
               <p:cNvPr id="3" name="Content Placeholder 2">
@@ -8334,18 +9157,24 @@
                 <a14:m>
                   <m:oMath xmlns:m="http://schemas.openxmlformats.org/officeDocument/2006/math">
                     <m:r>
-                      <a:rPr lang="en-US" i="1"/>
+                      <a:rPr lang="en-US" i="1">
+                        <a:latin typeface="Cambria Math" panose="02040503050406030204" pitchFamily="18" charset="0"/>
+                      </a:rPr>
                       <m:t>𝑀</m:t>
                     </m:r>
                     <m:r>
-                      <a:rPr lang="en-US" i="1"/>
+                      <a:rPr lang="en-US" i="1">
+                        <a:latin typeface="Cambria Math" panose="02040503050406030204" pitchFamily="18" charset="0"/>
+                      </a:rPr>
                       <m:t>=</m:t>
                     </m:r>
                     <m:r>
                       <m:rPr>
                         <m:lit/>
                       </m:rPr>
-                      <a:rPr lang="en-US" i="1"/>
+                      <a:rPr lang="en-US" i="1">
+                        <a:latin typeface="Cambria Math" panose="02040503050406030204" pitchFamily="18" charset="0"/>
+                      </a:rPr>
                       <m:t>{</m:t>
                     </m:r>
                     <m:r>
@@ -8384,15 +9213,21 @@
                       <m:t>Chase</m:t>
                     </m:r>
                     <m:r>
-                      <a:rPr lang="en-US" i="1"/>
+                      <a:rPr lang="en-US" i="1">
+                        <a:latin typeface="Cambria Math" panose="02040503050406030204" pitchFamily="18" charset="0"/>
+                      </a:rPr>
                       <m:t>,</m:t>
                     </m:r>
                     <m:r>
-                      <a:rPr lang="en-US"/>
+                      <a:rPr lang="en-US">
+                        <a:latin typeface="Cambria Math" panose="02040503050406030204" pitchFamily="18" charset="0"/>
+                      </a:rPr>
                       <m:t>…</m:t>
                     </m:r>
                     <m:r>
-                      <a:rPr lang="en-US" i="1"/>
+                      <a:rPr lang="en-US" i="1">
+                        <a:latin typeface="Cambria Math" panose="02040503050406030204" pitchFamily="18" charset="0"/>
+                      </a:rPr>
                       <m:t>, </m:t>
                     </m:r>
                     <m:r>
@@ -8420,7 +9255,9 @@
                       <m:rPr>
                         <m:lit/>
                       </m:rPr>
-                      <a:rPr lang="en-US" i="1"/>
+                      <a:rPr lang="en-US" i="1">
+                        <a:latin typeface="Cambria Math" panose="02040503050406030204" pitchFamily="18" charset="0"/>
+                      </a:rPr>
                       <m:t>}</m:t>
                     </m:r>
                   </m:oMath>
@@ -8443,37 +9280,51 @@
                 <a14:m>
                   <m:oMath xmlns:m="http://schemas.openxmlformats.org/officeDocument/2006/math">
                     <m:r>
-                      <a:rPr lang="en-US" i="1"/>
+                      <a:rPr lang="en-US" i="1">
+                        <a:latin typeface="Cambria Math" panose="02040503050406030204" pitchFamily="18" charset="0"/>
+                      </a:rPr>
                       <m:t>𝑁</m:t>
                     </m:r>
                     <m:r>
-                      <a:rPr lang="en-US" i="1"/>
+                      <a:rPr lang="en-US" i="1">
+                        <a:latin typeface="Cambria Math" panose="02040503050406030204" pitchFamily="18" charset="0"/>
+                      </a:rPr>
                       <m:t> = </m:t>
                     </m:r>
                     <m:r>
                       <m:rPr>
                         <m:lit/>
                       </m:rPr>
-                      <a:rPr lang="en-US" i="1"/>
+                      <a:rPr lang="en-US" i="1">
+                        <a:latin typeface="Cambria Math" panose="02040503050406030204" pitchFamily="18" charset="0"/>
+                      </a:rPr>
                       <m:t>{</m:t>
                     </m:r>
                     <m:r>
-                      <a:rPr lang="en-US" i="1"/>
+                      <a:rPr lang="en-US" i="1">
+                        <a:latin typeface="Cambria Math" panose="02040503050406030204" pitchFamily="18" charset="0"/>
+                      </a:rPr>
                       <m:t>1, 2, </m:t>
                     </m:r>
                     <m:r>
-                      <a:rPr lang="en-US"/>
+                      <a:rPr lang="en-US">
+                        <a:latin typeface="Cambria Math" panose="02040503050406030204" pitchFamily="18" charset="0"/>
+                      </a:rPr>
                       <m:t>…</m:t>
                     </m:r>
                     <m:r>
-                      <a:rPr lang="en-US" i="1"/>
+                      <a:rPr lang="en-US" i="1">
+                        <a:latin typeface="Cambria Math" panose="02040503050406030204" pitchFamily="18" charset="0"/>
+                      </a:rPr>
                       <m:t>, 14</m:t>
                     </m:r>
                     <m:r>
                       <m:rPr>
                         <m:lit/>
                       </m:rPr>
-                      <a:rPr lang="en-US" i="1"/>
+                      <a:rPr lang="en-US" i="1">
+                        <a:latin typeface="Cambria Math" panose="02040503050406030204" pitchFamily="18" charset="0"/>
+                      </a:rPr>
                       <m:t>}</m:t>
                     </m:r>
                   </m:oMath>
@@ -8496,29 +9347,39 @@
                 <a14:m>
                   <m:oMath xmlns:m="http://schemas.openxmlformats.org/officeDocument/2006/math">
                     <m:r>
-                      <a:rPr lang="en-US" i="1"/>
+                      <a:rPr lang="en-US" i="1">
+                        <a:latin typeface="Cambria Math" panose="02040503050406030204" pitchFamily="18" charset="0"/>
+                      </a:rPr>
                       <m:t>𝐵</m:t>
                     </m:r>
                     <m:r>
-                      <a:rPr lang="en-US" i="1"/>
+                      <a:rPr lang="en-US" i="1">
+                        <a:latin typeface="Cambria Math" panose="02040503050406030204" pitchFamily="18" charset="0"/>
+                      </a:rPr>
                       <m:t>=</m:t>
                     </m:r>
                     <m:r>
                       <m:rPr>
                         <m:lit/>
                       </m:rPr>
-                      <a:rPr lang="en-US" i="1"/>
+                      <a:rPr lang="en-US" i="1">
+                        <a:latin typeface="Cambria Math" panose="02040503050406030204" pitchFamily="18" charset="0"/>
+                      </a:rPr>
                       <m:t>{</m:t>
                     </m:r>
                     <m:r>
-                      <a:rPr lang="en-US" i="1"/>
+                      <a:rPr lang="en-US" i="1">
+                        <a:latin typeface="Cambria Math" panose="02040503050406030204" pitchFamily="18" charset="0"/>
+                      </a:rPr>
                       <m:t>5, 6, 7, 8, 9, 10, 11, 12, 14</m:t>
                     </m:r>
                     <m:r>
                       <m:rPr>
                         <m:lit/>
                       </m:rPr>
-                      <a:rPr lang="en-US" i="1"/>
+                      <a:rPr lang="en-US" i="1">
+                        <a:latin typeface="Cambria Math" panose="02040503050406030204" pitchFamily="18" charset="0"/>
+                      </a:rPr>
                       <m:t>}</m:t>
                     </m:r>
                   </m:oMath>
@@ -8541,18 +9402,24 @@
                 <a14:m>
                   <m:oMath xmlns:m="http://schemas.openxmlformats.org/officeDocument/2006/math">
                     <m:r>
-                      <a:rPr lang="en-US" i="1"/>
+                      <a:rPr lang="en-US" i="1">
+                        <a:latin typeface="Cambria Math" panose="02040503050406030204" pitchFamily="18" charset="0"/>
+                      </a:rPr>
                       <m:t>𝑃</m:t>
                     </m:r>
                     <m:r>
-                      <a:rPr lang="en-US" i="1"/>
+                      <a:rPr lang="en-US" i="1">
+                        <a:latin typeface="Cambria Math" panose="02040503050406030204" pitchFamily="18" charset="0"/>
+                      </a:rPr>
                       <m:t>=</m:t>
                     </m:r>
                     <m:r>
                       <m:rPr>
                         <m:lit/>
                       </m:rPr>
-                      <a:rPr lang="en-US" i="1"/>
+                      <a:rPr lang="en-US" i="1">
+                        <a:latin typeface="Cambria Math" panose="02040503050406030204" pitchFamily="18" charset="0"/>
+                      </a:rPr>
                       <m:t>{</m:t>
                     </m:r>
                     <m:r>
@@ -8563,7 +9430,9 @@
                       <m:t>QB</m:t>
                     </m:r>
                     <m:r>
-                      <a:rPr lang="en-US" i="1"/>
+                      <a:rPr lang="en-US" i="1">
+                        <a:latin typeface="Cambria Math" panose="02040503050406030204" pitchFamily="18" charset="0"/>
+                      </a:rPr>
                       <m:t>, </m:t>
                     </m:r>
                     <m:r>
@@ -8574,7 +9443,9 @@
                       <m:t>RB</m:t>
                     </m:r>
                     <m:r>
-                      <a:rPr lang="en-US" i="1"/>
+                      <a:rPr lang="en-US" i="1">
+                        <a:latin typeface="Cambria Math" panose="02040503050406030204" pitchFamily="18" charset="0"/>
+                      </a:rPr>
                       <m:t>, </m:t>
                     </m:r>
                     <m:r>
@@ -8585,7 +9456,9 @@
                       <m:t>WR</m:t>
                     </m:r>
                     <m:r>
-                      <a:rPr lang="en-US" i="1"/>
+                      <a:rPr lang="en-US" i="1">
+                        <a:latin typeface="Cambria Math" panose="02040503050406030204" pitchFamily="18" charset="0"/>
+                      </a:rPr>
                       <m:t>, </m:t>
                     </m:r>
                     <m:r>
@@ -8596,7 +9469,9 @@
                       <m:t>TE</m:t>
                     </m:r>
                     <m:r>
-                      <a:rPr lang="en-US" i="1"/>
+                      <a:rPr lang="en-US" i="1">
+                        <a:latin typeface="Cambria Math" panose="02040503050406030204" pitchFamily="18" charset="0"/>
+                      </a:rPr>
                       <m:t>, </m:t>
                     </m:r>
                     <m:r>
@@ -8610,7 +9485,9 @@
                       <m:rPr>
                         <m:lit/>
                       </m:rPr>
-                      <a:rPr lang="en-US" i="1"/>
+                      <a:rPr lang="en-US" i="1">
+                        <a:latin typeface="Cambria Math" panose="02040503050406030204" pitchFamily="18" charset="0"/>
+                      </a:rPr>
                       <m:t>}</m:t>
                     </m:r>
                   </m:oMath>
@@ -8629,7 +9506,7 @@
             </p:txBody>
           </p:sp>
         </mc:Choice>
-        <mc:Fallback>
+        <mc:Fallback xmlns="">
           <p:sp>
             <p:nvSpPr>
               <p:cNvPr id="3" name="Content Placeholder 2">
@@ -8787,7 +9664,7 @@
 </p:sld>
 </file>
 
-<file path=ppt/slides/slide6.xml><?xml version="1.0" encoding="utf-8"?>
+<file path=ppt/slides/slide7.xml><?xml version="1.0" encoding="utf-8"?>
 <p:sld xmlns:a="http://schemas.openxmlformats.org/drawingml/2006/main" xmlns:r="http://schemas.openxmlformats.org/officeDocument/2006/relationships" xmlns:p="http://schemas.openxmlformats.org/presentationml/2006/main">
   <p:cSld>
     <p:bg>
@@ -8836,8 +9713,8 @@
           <a:chExt cx="0" cy="0"/>
         </a:xfrm>
       </p:grpSpPr>
-      <mc:AlternateContent xmlns:mc="http://schemas.openxmlformats.org/markup-compatibility/2006">
-        <mc:Choice xmlns:a14="http://schemas.microsoft.com/office/drawing/2010/main" Requires="a14">
+      <mc:AlternateContent xmlns:mc="http://schemas.openxmlformats.org/markup-compatibility/2006" xmlns:a14="http://schemas.microsoft.com/office/drawing/2010/main">
+        <mc:Choice Requires="a14">
           <p:sp>
             <p:nvSpPr>
               <p:cNvPr id="3" name="Content Placeholder 2">
@@ -8874,40 +9751,56 @@
                     <m:sSub>
                       <m:sSubPr>
                         <m:ctrlPr>
-                          <a:rPr lang="en-US" i="1" smtClean="0"/>
+                          <a:rPr lang="en-US" i="1" smtClean="0">
+                            <a:latin typeface="Cambria Math" panose="02040503050406030204" pitchFamily="18" charset="0"/>
+                          </a:rPr>
                         </m:ctrlPr>
                       </m:sSubPr>
                       <m:e>
                         <m:r>
-                          <a:rPr lang="en-US" i="1"/>
+                          <a:rPr lang="en-US" i="1">
+                            <a:latin typeface="Cambria Math" panose="02040503050406030204" pitchFamily="18" charset="0"/>
+                          </a:rPr>
                           <m:t>𝑐</m:t>
                         </m:r>
                       </m:e>
                       <m:sub>
                         <m:r>
-                          <a:rPr lang="en-US" i="1"/>
+                          <a:rPr lang="en-US" i="1">
+                            <a:latin typeface="Cambria Math" panose="02040503050406030204" pitchFamily="18" charset="0"/>
+                          </a:rPr>
                           <m:t>𝑖</m:t>
                         </m:r>
                       </m:sub>
                     </m:sSub>
                     <m:r>
-                      <a:rPr lang="en-US" i="1"/>
+                      <a:rPr lang="en-US" i="1">
+                        <a:latin typeface="Cambria Math" panose="02040503050406030204" pitchFamily="18" charset="0"/>
+                      </a:rPr>
                       <m:t>, </m:t>
                     </m:r>
                     <m:r>
-                      <a:rPr lang="en-US"/>
+                      <a:rPr lang="en-US">
+                        <a:latin typeface="Cambria Math" panose="02040503050406030204" pitchFamily="18" charset="0"/>
+                      </a:rPr>
                       <m:t>∀</m:t>
                     </m:r>
                     <m:r>
-                      <a:rPr lang="en-US" i="1"/>
+                      <a:rPr lang="en-US" i="1">
+                        <a:latin typeface="Cambria Math" panose="02040503050406030204" pitchFamily="18" charset="0"/>
+                      </a:rPr>
                       <m:t>𝑖</m:t>
                     </m:r>
                     <m:r>
-                      <a:rPr lang="en-US"/>
+                      <a:rPr lang="en-US">
+                        <a:latin typeface="Cambria Math" panose="02040503050406030204" pitchFamily="18" charset="0"/>
+                      </a:rPr>
                       <m:t>∈</m:t>
                     </m:r>
                     <m:r>
-                      <a:rPr lang="en-US" i="1"/>
+                      <a:rPr lang="en-US" i="1">
+                        <a:latin typeface="Cambria Math" panose="02040503050406030204" pitchFamily="18" charset="0"/>
+                      </a:rPr>
                       <m:t>𝑀</m:t>
                     </m:r>
                   </m:oMath>
@@ -8919,7 +9812,9 @@
                 <a14:m>
                   <m:oMath xmlns:m="http://schemas.openxmlformats.org/officeDocument/2006/math">
                     <m:r>
-                      <a:rPr lang="en-US" i="1"/>
+                      <a:rPr lang="en-US" i="1">
+                        <a:latin typeface="Cambria Math" panose="02040503050406030204" pitchFamily="18" charset="0"/>
+                      </a:rPr>
                       <m:t>𝑖</m:t>
                     </m:r>
                   </m:oMath>
@@ -8941,40 +9836,56 @@
                     <m:sSub>
                       <m:sSubPr>
                         <m:ctrlPr>
-                          <a:rPr lang="en-US" i="1"/>
+                          <a:rPr lang="en-US" i="1">
+                            <a:latin typeface="Cambria Math" panose="02040503050406030204" pitchFamily="18" charset="0"/>
+                          </a:rPr>
                         </m:ctrlPr>
                       </m:sSubPr>
                       <m:e>
                         <m:r>
-                          <a:rPr lang="en-US" i="1"/>
+                          <a:rPr lang="en-US" i="1">
+                            <a:latin typeface="Cambria Math" panose="02040503050406030204" pitchFamily="18" charset="0"/>
+                          </a:rPr>
                           <m:t>𝑎𝑑𝑝</m:t>
                         </m:r>
                       </m:e>
                       <m:sub>
                         <m:r>
-                          <a:rPr lang="en-US" i="1"/>
+                          <a:rPr lang="en-US" i="1">
+                            <a:latin typeface="Cambria Math" panose="02040503050406030204" pitchFamily="18" charset="0"/>
+                          </a:rPr>
                           <m:t>𝑖</m:t>
                         </m:r>
                       </m:sub>
                     </m:sSub>
                     <m:r>
-                      <a:rPr lang="en-US" i="1"/>
+                      <a:rPr lang="en-US" i="1">
+                        <a:latin typeface="Cambria Math" panose="02040503050406030204" pitchFamily="18" charset="0"/>
+                      </a:rPr>
                       <m:t>, </m:t>
                     </m:r>
                     <m:r>
-                      <a:rPr lang="en-US"/>
+                      <a:rPr lang="en-US">
+                        <a:latin typeface="Cambria Math" panose="02040503050406030204" pitchFamily="18" charset="0"/>
+                      </a:rPr>
                       <m:t>∀</m:t>
                     </m:r>
                     <m:r>
-                      <a:rPr lang="en-US" i="1"/>
+                      <a:rPr lang="en-US" i="1">
+                        <a:latin typeface="Cambria Math" panose="02040503050406030204" pitchFamily="18" charset="0"/>
+                      </a:rPr>
                       <m:t>𝑖</m:t>
                     </m:r>
                     <m:r>
-                      <a:rPr lang="en-US"/>
+                      <a:rPr lang="en-US">
+                        <a:latin typeface="Cambria Math" panose="02040503050406030204" pitchFamily="18" charset="0"/>
+                      </a:rPr>
                       <m:t>∈</m:t>
                     </m:r>
                     <m:r>
-                      <a:rPr lang="en-US" i="1"/>
+                      <a:rPr lang="en-US" i="1">
+                        <a:latin typeface="Cambria Math" panose="02040503050406030204" pitchFamily="18" charset="0"/>
+                      </a:rPr>
                       <m:t>𝑀</m:t>
                     </m:r>
                   </m:oMath>
@@ -8986,7 +9897,9 @@
                 <a14:m>
                   <m:oMath xmlns:m="http://schemas.openxmlformats.org/officeDocument/2006/math">
                     <m:r>
-                      <a:rPr lang="en-US" i="1"/>
+                      <a:rPr lang="en-US" i="1">
+                        <a:latin typeface="Cambria Math" panose="02040503050406030204" pitchFamily="18" charset="0"/>
+                      </a:rPr>
                       <m:t>𝑖</m:t>
                     </m:r>
                   </m:oMath>
@@ -9011,60 +9924,86 @@
                     <m:sSub>
                       <m:sSubPr>
                         <m:ctrlPr>
-                          <a:rPr lang="en-US" i="1"/>
+                          <a:rPr lang="en-US" i="1">
+                            <a:latin typeface="Cambria Math" panose="02040503050406030204" pitchFamily="18" charset="0"/>
+                          </a:rPr>
                         </m:ctrlPr>
                       </m:sSubPr>
                       <m:e>
                         <m:r>
-                          <a:rPr lang="en-US" i="1"/>
+                          <a:rPr lang="en-US" i="1">
+                            <a:latin typeface="Cambria Math" panose="02040503050406030204" pitchFamily="18" charset="0"/>
+                          </a:rPr>
                           <m:t>𝑝</m:t>
                         </m:r>
                       </m:e>
                       <m:sub>
                         <m:r>
-                          <a:rPr lang="en-US" i="1"/>
+                          <a:rPr lang="en-US" i="1">
+                            <a:latin typeface="Cambria Math" panose="02040503050406030204" pitchFamily="18" charset="0"/>
+                          </a:rPr>
                           <m:t>𝑖𝑘</m:t>
                         </m:r>
                       </m:sub>
                     </m:sSub>
                     <m:r>
-                      <a:rPr lang="en-US" i="1"/>
+                      <a:rPr lang="en-US" i="1">
+                        <a:latin typeface="Cambria Math" panose="02040503050406030204" pitchFamily="18" charset="0"/>
+                      </a:rPr>
                       <m:t>, </m:t>
                     </m:r>
                     <m:r>
-                      <a:rPr lang="en-US"/>
+                      <a:rPr lang="en-US">
+                        <a:latin typeface="Cambria Math" panose="02040503050406030204" pitchFamily="18" charset="0"/>
+                      </a:rPr>
                       <m:t>∀</m:t>
                     </m:r>
                     <m:r>
-                      <a:rPr lang="en-US" i="1"/>
+                      <a:rPr lang="en-US" i="1">
+                        <a:latin typeface="Cambria Math" panose="02040503050406030204" pitchFamily="18" charset="0"/>
+                      </a:rPr>
                       <m:t>𝑖</m:t>
                     </m:r>
                     <m:r>
-                      <a:rPr lang="en-US"/>
+                      <a:rPr lang="en-US">
+                        <a:latin typeface="Cambria Math" panose="02040503050406030204" pitchFamily="18" charset="0"/>
+                      </a:rPr>
                       <m:t>∈</m:t>
                     </m:r>
                     <m:r>
-                      <a:rPr lang="en-US" i="1"/>
+                      <a:rPr lang="en-US" i="1">
+                        <a:latin typeface="Cambria Math" panose="02040503050406030204" pitchFamily="18" charset="0"/>
+                      </a:rPr>
                       <m:t>𝑀</m:t>
                     </m:r>
                     <m:r>
-                      <a:rPr lang="en-US" i="1"/>
+                      <a:rPr lang="en-US" i="1">
+                        <a:latin typeface="Cambria Math" panose="02040503050406030204" pitchFamily="18" charset="0"/>
+                      </a:rPr>
                       <m:t>,  </m:t>
                     </m:r>
                     <m:r>
-                      <a:rPr lang="en-US"/>
+                      <a:rPr lang="en-US">
+                        <a:latin typeface="Cambria Math" panose="02040503050406030204" pitchFamily="18" charset="0"/>
+                      </a:rPr>
                       <m:t>∀</m:t>
                     </m:r>
                     <m:r>
-                      <a:rPr lang="en-US" i="1"/>
+                      <a:rPr lang="en-US" i="1">
+                        <a:latin typeface="Cambria Math" panose="02040503050406030204" pitchFamily="18" charset="0"/>
+                      </a:rPr>
                       <m:t>𝑘</m:t>
                     </m:r>
                     <m:r>
-                      <a:rPr lang="en-US"/>
+                      <a:rPr lang="en-US">
+                        <a:latin typeface="Cambria Math" panose="02040503050406030204" pitchFamily="18" charset="0"/>
+                      </a:rPr>
                       <m:t>∈</m:t>
                     </m:r>
                     <m:r>
-                      <a:rPr lang="en-US" i="1"/>
+                      <a:rPr lang="en-US" i="1">
+                        <a:latin typeface="Cambria Math" panose="02040503050406030204" pitchFamily="18" charset="0"/>
+                      </a:rPr>
                       <m:t>𝑃</m:t>
                     </m:r>
                   </m:oMath>
@@ -9076,7 +10015,9 @@
                 <a14:m>
                   <m:oMath xmlns:m="http://schemas.openxmlformats.org/officeDocument/2006/math">
                     <m:r>
-                      <a:rPr lang="en-US" i="1"/>
+                      <a:rPr lang="en-US" i="1">
+                        <a:latin typeface="Cambria Math" panose="02040503050406030204" pitchFamily="18" charset="0"/>
+                      </a:rPr>
                       <m:t>𝑖</m:t>
                     </m:r>
                   </m:oMath>
@@ -9088,7 +10029,9 @@
                 <a14:m>
                   <m:oMath xmlns:m="http://schemas.openxmlformats.org/officeDocument/2006/math">
                     <m:r>
-                      <a:rPr lang="en-US" i="1"/>
+                      <a:rPr lang="en-US" i="1">
+                        <a:latin typeface="Cambria Math" panose="02040503050406030204" pitchFamily="18" charset="0"/>
+                      </a:rPr>
                       <m:t>𝑘</m:t>
                     </m:r>
                   </m:oMath>
@@ -9110,60 +10053,86 @@
                     <m:sSub>
                       <m:sSubPr>
                         <m:ctrlPr>
-                          <a:rPr lang="en-US" i="1"/>
+                          <a:rPr lang="en-US" i="1">
+                            <a:latin typeface="Cambria Math" panose="02040503050406030204" pitchFamily="18" charset="0"/>
+                          </a:rPr>
                         </m:ctrlPr>
                       </m:sSubPr>
                       <m:e>
                         <m:r>
-                          <a:rPr lang="en-US" i="1"/>
+                          <a:rPr lang="en-US" i="1">
+                            <a:latin typeface="Cambria Math" panose="02040503050406030204" pitchFamily="18" charset="0"/>
+                          </a:rPr>
                           <m:t>𝑏</m:t>
                         </m:r>
                       </m:e>
                       <m:sub>
                         <m:r>
-                          <a:rPr lang="en-US" i="1"/>
+                          <a:rPr lang="en-US" i="1">
+                            <a:latin typeface="Cambria Math" panose="02040503050406030204" pitchFamily="18" charset="0"/>
+                          </a:rPr>
                           <m:t>𝑖𝑙</m:t>
                         </m:r>
                       </m:sub>
                     </m:sSub>
                     <m:r>
-                      <a:rPr lang="en-US" i="1"/>
+                      <a:rPr lang="en-US" i="1">
+                        <a:latin typeface="Cambria Math" panose="02040503050406030204" pitchFamily="18" charset="0"/>
+                      </a:rPr>
                       <m:t>, </m:t>
                     </m:r>
                     <m:r>
-                      <a:rPr lang="en-US"/>
+                      <a:rPr lang="en-US">
+                        <a:latin typeface="Cambria Math" panose="02040503050406030204" pitchFamily="18" charset="0"/>
+                      </a:rPr>
                       <m:t>∀</m:t>
                     </m:r>
                     <m:r>
-                      <a:rPr lang="en-US" i="1"/>
+                      <a:rPr lang="en-US" i="1">
+                        <a:latin typeface="Cambria Math" panose="02040503050406030204" pitchFamily="18" charset="0"/>
+                      </a:rPr>
                       <m:t>𝑖</m:t>
                     </m:r>
                     <m:r>
-                      <a:rPr lang="en-US"/>
+                      <a:rPr lang="en-US">
+                        <a:latin typeface="Cambria Math" panose="02040503050406030204" pitchFamily="18" charset="0"/>
+                      </a:rPr>
                       <m:t>∈</m:t>
                     </m:r>
                     <m:r>
-                      <a:rPr lang="en-US" i="1"/>
+                      <a:rPr lang="en-US" i="1">
+                        <a:latin typeface="Cambria Math" panose="02040503050406030204" pitchFamily="18" charset="0"/>
+                      </a:rPr>
                       <m:t>𝑀</m:t>
                     </m:r>
                     <m:r>
-                      <a:rPr lang="en-US" i="1"/>
+                      <a:rPr lang="en-US" i="1">
+                        <a:latin typeface="Cambria Math" panose="02040503050406030204" pitchFamily="18" charset="0"/>
+                      </a:rPr>
                       <m:t>,  </m:t>
                     </m:r>
                     <m:r>
-                      <a:rPr lang="en-US"/>
+                      <a:rPr lang="en-US">
+                        <a:latin typeface="Cambria Math" panose="02040503050406030204" pitchFamily="18" charset="0"/>
+                      </a:rPr>
                       <m:t>∀</m:t>
                     </m:r>
                     <m:r>
-                      <a:rPr lang="en-US" i="1"/>
+                      <a:rPr lang="en-US" i="1">
+                        <a:latin typeface="Cambria Math" panose="02040503050406030204" pitchFamily="18" charset="0"/>
+                      </a:rPr>
                       <m:t>𝑙</m:t>
                     </m:r>
                     <m:r>
-                      <a:rPr lang="en-US"/>
+                      <a:rPr lang="en-US">
+                        <a:latin typeface="Cambria Math" panose="02040503050406030204" pitchFamily="18" charset="0"/>
+                      </a:rPr>
                       <m:t>∈</m:t>
                     </m:r>
                     <m:r>
-                      <a:rPr lang="en-US" i="1"/>
+                      <a:rPr lang="en-US" i="1">
+                        <a:latin typeface="Cambria Math" panose="02040503050406030204" pitchFamily="18" charset="0"/>
+                      </a:rPr>
                       <m:t>𝐵</m:t>
                     </m:r>
                   </m:oMath>
@@ -9175,7 +10144,9 @@
                 <a14:m>
                   <m:oMath xmlns:m="http://schemas.openxmlformats.org/officeDocument/2006/math">
                     <m:r>
-                      <a:rPr lang="en-US" i="1"/>
+                      <a:rPr lang="en-US" i="1">
+                        <a:latin typeface="Cambria Math" panose="02040503050406030204" pitchFamily="18" charset="0"/>
+                      </a:rPr>
                       <m:t>𝑖</m:t>
                     </m:r>
                   </m:oMath>
@@ -9187,7 +10158,9 @@
                 <a14:m>
                   <m:oMath xmlns:m="http://schemas.openxmlformats.org/officeDocument/2006/math">
                     <m:r>
-                      <a:rPr lang="en-US" i="1"/>
+                      <a:rPr lang="en-US" i="1">
+                        <a:latin typeface="Cambria Math" panose="02040503050406030204" pitchFamily="18" charset="0"/>
+                      </a:rPr>
                       <m:t>𝑙</m:t>
                     </m:r>
                   </m:oMath>
@@ -9207,46 +10180,64 @@
                 <a14:m>
                   <m:oMath xmlns:m="http://schemas.openxmlformats.org/officeDocument/2006/math">
                     <m:r>
-                      <a:rPr lang="en-US" i="1"/>
+                      <a:rPr lang="en-US" i="1">
+                        <a:latin typeface="Cambria Math" panose="02040503050406030204" pitchFamily="18" charset="0"/>
+                      </a:rPr>
                       <m:t>𝑝𝑜</m:t>
                     </m:r>
                     <m:sSub>
                       <m:sSubPr>
                         <m:ctrlPr>
-                          <a:rPr lang="en-US" i="1"/>
+                          <a:rPr lang="en-US" i="1">
+                            <a:latin typeface="Cambria Math" panose="02040503050406030204" pitchFamily="18" charset="0"/>
+                          </a:rPr>
                         </m:ctrlPr>
                       </m:sSubPr>
                       <m:e>
                         <m:r>
-                          <a:rPr lang="en-US" i="1"/>
+                          <a:rPr lang="en-US" i="1">
+                            <a:latin typeface="Cambria Math" panose="02040503050406030204" pitchFamily="18" charset="0"/>
+                          </a:rPr>
                           <m:t>𝑠</m:t>
                         </m:r>
                       </m:e>
                       <m:sub>
                         <m:r>
-                          <a:rPr lang="en-US" i="1"/>
+                          <a:rPr lang="en-US" i="1">
+                            <a:latin typeface="Cambria Math" panose="02040503050406030204" pitchFamily="18" charset="0"/>
+                          </a:rPr>
                           <m:t>𝑘</m:t>
                         </m:r>
                       </m:sub>
                     </m:sSub>
                     <m:r>
-                      <a:rPr lang="en-US" i="1"/>
+                      <a:rPr lang="en-US" i="1">
+                        <a:latin typeface="Cambria Math" panose="02040503050406030204" pitchFamily="18" charset="0"/>
+                      </a:rPr>
                       <m:t>, </m:t>
                     </m:r>
                     <m:r>
-                      <a:rPr lang="en-US"/>
+                      <a:rPr lang="en-US">
+                        <a:latin typeface="Cambria Math" panose="02040503050406030204" pitchFamily="18" charset="0"/>
+                      </a:rPr>
                       <m:t>∀</m:t>
                     </m:r>
                     <m:r>
-                      <a:rPr lang="en-US" i="1"/>
+                      <a:rPr lang="en-US" i="1">
+                        <a:latin typeface="Cambria Math" panose="02040503050406030204" pitchFamily="18" charset="0"/>
+                      </a:rPr>
                       <m:t>𝑘</m:t>
                     </m:r>
                     <m:r>
-                      <a:rPr lang="en-US"/>
+                      <a:rPr lang="en-US">
+                        <a:latin typeface="Cambria Math" panose="02040503050406030204" pitchFamily="18" charset="0"/>
+                      </a:rPr>
                       <m:t>∈</m:t>
                     </m:r>
                     <m:r>
-                      <a:rPr lang="en-US" i="1"/>
+                      <a:rPr lang="en-US" i="1">
+                        <a:latin typeface="Cambria Math" panose="02040503050406030204" pitchFamily="18" charset="0"/>
+                      </a:rPr>
                       <m:t>𝑃</m:t>
                     </m:r>
                   </m:oMath>
@@ -9258,7 +10249,9 @@
                 <a14:m>
                   <m:oMath xmlns:m="http://schemas.openxmlformats.org/officeDocument/2006/math">
                     <m:r>
-                      <a:rPr lang="en-US" i="1"/>
+                      <a:rPr lang="en-US" i="1">
+                        <a:latin typeface="Cambria Math" panose="02040503050406030204" pitchFamily="18" charset="0"/>
+                      </a:rPr>
                       <m:t>𝑘</m:t>
                     </m:r>
                   </m:oMath>
@@ -9274,7 +10267,7 @@
             </p:txBody>
           </p:sp>
         </mc:Choice>
-        <mc:Fallback>
+        <mc:Fallback xmlns="">
           <p:sp>
             <p:nvSpPr>
               <p:cNvPr id="3" name="Content Placeholder 2">
@@ -9432,7 +10425,7 @@
 </p:sld>
 </file>
 
-<file path=ppt/slides/slide7.xml><?xml version="1.0" encoding="utf-8"?>
+<file path=ppt/slides/slide8.xml><?xml version="1.0" encoding="utf-8"?>
 <p:sld xmlns:a="http://schemas.openxmlformats.org/drawingml/2006/main" xmlns:r="http://schemas.openxmlformats.org/officeDocument/2006/relationships" xmlns:p="http://schemas.openxmlformats.org/presentationml/2006/main">
   <p:cSld>
     <p:bg>
@@ -9481,8 +10474,8 @@
           <a:chExt cx="0" cy="0"/>
         </a:xfrm>
       </p:grpSpPr>
-      <mc:AlternateContent xmlns:mc="http://schemas.openxmlformats.org/markup-compatibility/2006">
-        <mc:Choice xmlns:a14="http://schemas.microsoft.com/office/drawing/2010/main" Requires="a14">
+      <mc:AlternateContent xmlns:mc="http://schemas.openxmlformats.org/markup-compatibility/2006" xmlns:a14="http://schemas.microsoft.com/office/drawing/2010/main">
+        <mc:Choice Requires="a14">
           <p:sp>
             <p:nvSpPr>
               <p:cNvPr id="3" name="Content Placeholder 2">
@@ -9519,82 +10512,116 @@
                     <m:sSub>
                       <m:sSubPr>
                         <m:ctrlPr>
-                          <a:rPr lang="en-US" i="1"/>
+                          <a:rPr lang="en-US" i="1">
+                            <a:latin typeface="Cambria Math" panose="02040503050406030204" pitchFamily="18" charset="0"/>
+                          </a:rPr>
                         </m:ctrlPr>
                       </m:sSubPr>
                       <m:e>
                         <m:r>
-                          <a:rPr lang="en-US" i="1"/>
+                          <a:rPr lang="en-US" i="1">
+                            <a:latin typeface="Cambria Math" panose="02040503050406030204" pitchFamily="18" charset="0"/>
+                          </a:rPr>
                           <m:t>𝑥</m:t>
                         </m:r>
                       </m:e>
                       <m:sub>
                         <m:r>
-                          <a:rPr lang="en-US" i="1"/>
+                          <a:rPr lang="en-US" i="1">
+                            <a:latin typeface="Cambria Math" panose="02040503050406030204" pitchFamily="18" charset="0"/>
+                          </a:rPr>
                           <m:t>𝑖𝑗</m:t>
                         </m:r>
                       </m:sub>
                     </m:sSub>
                     <m:r>
-                      <a:rPr lang="en-US"/>
+                      <a:rPr lang="en-US">
+                        <a:latin typeface="Cambria Math" panose="02040503050406030204" pitchFamily="18" charset="0"/>
+                      </a:rPr>
                       <m:t>∈</m:t>
                     </m:r>
                     <m:r>
                       <m:rPr>
                         <m:lit/>
                       </m:rPr>
-                      <a:rPr lang="en-US" i="1"/>
+                      <a:rPr lang="en-US" i="1">
+                        <a:latin typeface="Cambria Math" panose="02040503050406030204" pitchFamily="18" charset="0"/>
+                      </a:rPr>
                       <m:t>{</m:t>
                     </m:r>
                     <m:r>
-                      <a:rPr lang="en-US" i="1"/>
+                      <a:rPr lang="en-US" i="1">
+                        <a:latin typeface="Cambria Math" panose="02040503050406030204" pitchFamily="18" charset="0"/>
+                      </a:rPr>
                       <m:t>0,1</m:t>
                     </m:r>
                     <m:r>
                       <m:rPr>
                         <m:lit/>
                       </m:rPr>
-                      <a:rPr lang="en-US" i="1"/>
+                      <a:rPr lang="en-US" i="1">
+                        <a:latin typeface="Cambria Math" panose="02040503050406030204" pitchFamily="18" charset="0"/>
+                      </a:rPr>
                       <m:t>}</m:t>
                     </m:r>
                     <m:r>
-                      <a:rPr lang="en-US" i="1"/>
+                      <a:rPr lang="en-US" i="1">
+                        <a:latin typeface="Cambria Math" panose="02040503050406030204" pitchFamily="18" charset="0"/>
+                      </a:rPr>
                       <m:t>, </m:t>
                     </m:r>
                     <m:r>
-                      <a:rPr lang="en-US"/>
+                      <a:rPr lang="en-US">
+                        <a:latin typeface="Cambria Math" panose="02040503050406030204" pitchFamily="18" charset="0"/>
+                      </a:rPr>
                       <m:t>∀</m:t>
                     </m:r>
                     <m:r>
-                      <a:rPr lang="en-US" i="1"/>
+                      <a:rPr lang="en-US" i="1">
+                        <a:latin typeface="Cambria Math" panose="02040503050406030204" pitchFamily="18" charset="0"/>
+                      </a:rPr>
                       <m:t>𝑖</m:t>
                     </m:r>
                     <m:r>
-                      <a:rPr lang="en-US"/>
+                      <a:rPr lang="en-US">
+                        <a:latin typeface="Cambria Math" panose="02040503050406030204" pitchFamily="18" charset="0"/>
+                      </a:rPr>
                       <m:t>∈</m:t>
                     </m:r>
                     <m:r>
-                      <a:rPr lang="en-US" i="1"/>
+                      <a:rPr lang="en-US" i="1">
+                        <a:latin typeface="Cambria Math" panose="02040503050406030204" pitchFamily="18" charset="0"/>
+                      </a:rPr>
                       <m:t>𝑀</m:t>
                     </m:r>
                     <m:r>
-                      <a:rPr lang="en-US" i="1"/>
+                      <a:rPr lang="en-US" i="1">
+                        <a:latin typeface="Cambria Math" panose="02040503050406030204" pitchFamily="18" charset="0"/>
+                      </a:rPr>
                       <m:t>, </m:t>
                     </m:r>
                     <m:r>
-                      <a:rPr lang="en-US"/>
+                      <a:rPr lang="en-US">
+                        <a:latin typeface="Cambria Math" panose="02040503050406030204" pitchFamily="18" charset="0"/>
+                      </a:rPr>
                       <m:t>∀</m:t>
                     </m:r>
                     <m:r>
-                      <a:rPr lang="en-US" i="1"/>
+                      <a:rPr lang="en-US" i="1">
+                        <a:latin typeface="Cambria Math" panose="02040503050406030204" pitchFamily="18" charset="0"/>
+                      </a:rPr>
                       <m:t>𝑗</m:t>
                     </m:r>
                     <m:r>
-                      <a:rPr lang="en-US"/>
+                      <a:rPr lang="en-US">
+                        <a:latin typeface="Cambria Math" panose="02040503050406030204" pitchFamily="18" charset="0"/>
+                      </a:rPr>
                       <m:t>∈</m:t>
                     </m:r>
                     <m:r>
-                      <a:rPr lang="en-US" i="1"/>
+                      <a:rPr lang="en-US" i="1">
+                        <a:latin typeface="Cambria Math" panose="02040503050406030204" pitchFamily="18" charset="0"/>
+                      </a:rPr>
                       <m:t>𝑁</m:t>
                     </m:r>
                   </m:oMath>
@@ -9606,7 +10633,9 @@
                 <a14:m>
                   <m:oMath xmlns:m="http://schemas.openxmlformats.org/officeDocument/2006/math">
                     <m:r>
-                      <a:rPr lang="en-US" i="1"/>
+                      <a:rPr lang="en-US" i="1">
+                        <a:latin typeface="Cambria Math" panose="02040503050406030204" pitchFamily="18" charset="0"/>
+                      </a:rPr>
                       <m:t>𝑖</m:t>
                     </m:r>
                   </m:oMath>
@@ -9618,7 +10647,9 @@
                 <a14:m>
                   <m:oMath xmlns:m="http://schemas.openxmlformats.org/officeDocument/2006/math">
                     <m:r>
-                      <a:rPr lang="en-US" i="1"/>
+                      <a:rPr lang="en-US" i="1">
+                        <a:latin typeface="Cambria Math" panose="02040503050406030204" pitchFamily="18" charset="0"/>
+                      </a:rPr>
                       <m:t>𝑗</m:t>
                     </m:r>
                   </m:oMath>
@@ -9634,7 +10665,7 @@
             </p:txBody>
           </p:sp>
         </mc:Choice>
-        <mc:Fallback>
+        <mc:Fallback xmlns="">
           <p:sp>
             <p:nvSpPr>
               <p:cNvPr id="3" name="Content Placeholder 2">
@@ -9792,7 +10823,7 @@
 </p:sld>
 </file>
 
-<file path=ppt/slides/slide8.xml><?xml version="1.0" encoding="utf-8"?>
+<file path=ppt/slides/slide9.xml><?xml version="1.0" encoding="utf-8"?>
 <p:sld xmlns:a="http://schemas.openxmlformats.org/drawingml/2006/main" xmlns:r="http://schemas.openxmlformats.org/officeDocument/2006/relationships" xmlns:p="http://schemas.openxmlformats.org/presentationml/2006/main">
   <p:cSld>
     <p:bg>
@@ -9841,8 +10872,8 @@
           <a:chExt cx="0" cy="0"/>
         </a:xfrm>
       </p:grpSpPr>
-      <mc:AlternateContent xmlns:mc="http://schemas.openxmlformats.org/markup-compatibility/2006">
-        <mc:Choice xmlns:a14="http://schemas.microsoft.com/office/drawing/2010/main" Requires="a14">
+      <mc:AlternateContent xmlns:mc="http://schemas.openxmlformats.org/markup-compatibility/2006" xmlns:a14="http://schemas.microsoft.com/office/drawing/2010/main">
+        <mc:Choice Requires="a14">
           <p:sp>
             <p:nvSpPr>
               <p:cNvPr id="3" name="Content Placeholder 2">
@@ -9888,15 +10919,21 @@
                         <m:t>max</m:t>
                       </m:r>
                       <m:r>
-                        <a:rPr lang="en-US" i="1"/>
+                        <a:rPr lang="en-US" i="1">
+                          <a:latin typeface="Cambria Math" panose="02040503050406030204" pitchFamily="18" charset="0"/>
+                        </a:rPr>
                         <m:t> </m:t>
                       </m:r>
                       <m:r>
-                        <a:rPr lang="en-US" i="1"/>
+                        <a:rPr lang="en-US" i="1">
+                          <a:latin typeface="Cambria Math" panose="02040503050406030204" pitchFamily="18" charset="0"/>
+                        </a:rPr>
                         <m:t>𝑧</m:t>
                       </m:r>
                       <m:r>
-                        <a:rPr lang="en-US" i="1"/>
+                        <a:rPr lang="en-US" i="1">
+                          <a:latin typeface="Cambria Math" panose="02040503050406030204" pitchFamily="18" charset="0"/>
+                        </a:rPr>
                         <m:t>=</m:t>
                       </m:r>
                       <m:nary>
@@ -9904,20 +10941,28 @@
                           <m:chr m:val="∑"/>
                           <m:supHide m:val="on"/>
                           <m:ctrlPr>
-                            <a:rPr lang="en-US" i="1"/>
+                            <a:rPr lang="en-US" i="1">
+                              <a:latin typeface="Cambria Math" panose="02040503050406030204" pitchFamily="18" charset="0"/>
+                            </a:rPr>
                           </m:ctrlPr>
                         </m:naryPr>
                         <m:sub>
                           <m:r>
-                            <a:rPr lang="en-US" i="1"/>
+                            <a:rPr lang="en-US" i="1">
+                              <a:latin typeface="Cambria Math" panose="02040503050406030204" pitchFamily="18" charset="0"/>
+                            </a:rPr>
                             <m:t>𝑖</m:t>
                           </m:r>
                           <m:r>
-                            <a:rPr lang="en-US"/>
+                            <a:rPr lang="en-US">
+                              <a:latin typeface="Cambria Math" panose="02040503050406030204" pitchFamily="18" charset="0"/>
+                            </a:rPr>
                             <m:t>∈</m:t>
                           </m:r>
                           <m:r>
-                            <a:rPr lang="en-US" i="1"/>
+                            <a:rPr lang="en-US" i="1">
+                              <a:latin typeface="Cambria Math" panose="02040503050406030204" pitchFamily="18" charset="0"/>
+                            </a:rPr>
                             <m:t>𝑀</m:t>
                           </m:r>
                         </m:sub>
@@ -9928,20 +10973,28 @@
                               <m:chr m:val="∑"/>
                               <m:supHide m:val="on"/>
                               <m:ctrlPr>
-                                <a:rPr lang="en-US" i="1"/>
+                                <a:rPr lang="en-US" i="1">
+                                  <a:latin typeface="Cambria Math" panose="02040503050406030204" pitchFamily="18" charset="0"/>
+                                </a:rPr>
                               </m:ctrlPr>
                             </m:naryPr>
                             <m:sub>
                               <m:r>
-                                <a:rPr lang="en-US" i="1"/>
+                                <a:rPr lang="en-US" i="1">
+                                  <a:latin typeface="Cambria Math" panose="02040503050406030204" pitchFamily="18" charset="0"/>
+                                </a:rPr>
                                 <m:t>𝑗</m:t>
                               </m:r>
                               <m:r>
-                                <a:rPr lang="en-US"/>
+                                <a:rPr lang="en-US">
+                                  <a:latin typeface="Cambria Math" panose="02040503050406030204" pitchFamily="18" charset="0"/>
+                                </a:rPr>
                                 <m:t>∈</m:t>
                               </m:r>
                               <m:r>
-                                <a:rPr lang="en-US" i="1"/>
+                                <a:rPr lang="en-US" i="1">
+                                  <a:latin typeface="Cambria Math" panose="02040503050406030204" pitchFamily="18" charset="0"/>
+                                </a:rPr>
                                 <m:t>𝑁</m:t>
                               </m:r>
                             </m:sub>
@@ -9950,18 +11003,24 @@
                               <m:sSub>
                                 <m:sSubPr>
                                   <m:ctrlPr>
-                                    <a:rPr lang="en-US" i="1"/>
+                                    <a:rPr lang="en-US" i="1">
+                                      <a:latin typeface="Cambria Math" panose="02040503050406030204" pitchFamily="18" charset="0"/>
+                                    </a:rPr>
                                   </m:ctrlPr>
                                 </m:sSubPr>
                                 <m:e>
                                   <m:r>
-                                    <a:rPr lang="en-US" i="1"/>
+                                    <a:rPr lang="en-US" i="1">
+                                      <a:latin typeface="Cambria Math" panose="02040503050406030204" pitchFamily="18" charset="0"/>
+                                    </a:rPr>
                                     <m:t>𝑐</m:t>
                                   </m:r>
                                 </m:e>
                                 <m:sub>
                                   <m:r>
-                                    <a:rPr lang="en-US" i="1"/>
+                                    <a:rPr lang="en-US" i="1">
+                                      <a:latin typeface="Cambria Math" panose="02040503050406030204" pitchFamily="18" charset="0"/>
+                                    </a:rPr>
                                     <m:t>𝑖</m:t>
                                   </m:r>
                                 </m:sub>
@@ -9969,18 +11028,24 @@
                               <m:sSub>
                                 <m:sSubPr>
                                   <m:ctrlPr>
-                                    <a:rPr lang="en-US" i="1"/>
+                                    <a:rPr lang="en-US" i="1">
+                                      <a:latin typeface="Cambria Math" panose="02040503050406030204" pitchFamily="18" charset="0"/>
+                                    </a:rPr>
                                   </m:ctrlPr>
                                 </m:sSubPr>
                                 <m:e>
                                   <m:r>
-                                    <a:rPr lang="en-US" i="1"/>
+                                    <a:rPr lang="en-US" i="1">
+                                      <a:latin typeface="Cambria Math" panose="02040503050406030204" pitchFamily="18" charset="0"/>
+                                    </a:rPr>
                                     <m:t>𝑥</m:t>
                                   </m:r>
                                 </m:e>
                                 <m:sub>
                                   <m:r>
-                                    <a:rPr lang="en-US" i="1"/>
+                                    <a:rPr lang="en-US" i="1">
+                                      <a:latin typeface="Cambria Math" panose="02040503050406030204" pitchFamily="18" charset="0"/>
+                                    </a:rPr>
                                     <m:t>𝑖𝑗</m:t>
                                   </m:r>
                                 </m:sub>
@@ -10003,7 +11068,7 @@
             </p:txBody>
           </p:sp>
         </mc:Choice>
-        <mc:Fallback>
+        <mc:Fallback xmlns="">
           <p:sp>
             <p:nvSpPr>
               <p:cNvPr id="3" name="Content Placeholder 2">
@@ -10152,417 +11217,6 @@
     <p:extLst>
       <p:ext uri="{BB962C8B-B14F-4D97-AF65-F5344CB8AC3E}">
         <p14:creationId xmlns:p14="http://schemas.microsoft.com/office/powerpoint/2010/main" val="3170761361"/>
-      </p:ext>
-    </p:extLst>
-  </p:cSld>
-  <p:clrMapOvr>
-    <a:masterClrMapping/>
-  </p:clrMapOvr>
-</p:sld>
-</file>
-
-<file path=ppt/slides/slide9.xml><?xml version="1.0" encoding="utf-8"?>
-<p:sld xmlns:a="http://schemas.openxmlformats.org/drawingml/2006/main" xmlns:r="http://schemas.openxmlformats.org/officeDocument/2006/relationships" xmlns:p="http://schemas.openxmlformats.org/presentationml/2006/main">
-  <p:cSld>
-    <p:bg>
-      <p:bgPr>
-        <a:gradFill>
-          <a:gsLst>
-            <a:gs pos="0">
-              <a:schemeClr val="bg1">
-                <a:tint val="98000"/>
-                <a:hueMod val="94000"/>
-                <a:satMod val="148000"/>
-                <a:lumMod val="150000"/>
-              </a:schemeClr>
-            </a:gs>
-            <a:gs pos="100000">
-              <a:schemeClr val="bg1">
-                <a:shade val="92000"/>
-                <a:hueMod val="104000"/>
-                <a:satMod val="140000"/>
-                <a:lumMod val="68000"/>
-              </a:schemeClr>
-            </a:gs>
-          </a:gsLst>
-          <a:lin ang="5040000" scaled="0"/>
-        </a:gradFill>
-        <a:effectLst/>
-      </p:bgPr>
-    </p:bg>
-    <p:spTree>
-      <p:nvGrpSpPr>
-        <p:cNvPr id="1" name="">
-          <a:extLst>
-            <a:ext uri="{FF2B5EF4-FFF2-40B4-BE49-F238E27FC236}">
-              <a16:creationId xmlns:a16="http://schemas.microsoft.com/office/drawing/2014/main" id="{AB29EA11-EEA6-CFF3-7E29-178BF491618A}"/>
-            </a:ext>
-          </a:extLst>
-        </p:cNvPr>
-        <p:cNvGrpSpPr/>
-        <p:nvPr/>
-      </p:nvGrpSpPr>
-      <p:grpSpPr>
-        <a:xfrm>
-          <a:off x="0" y="0"/>
-          <a:ext cx="0" cy="0"/>
-          <a:chOff x="0" y="0"/>
-          <a:chExt cx="0" cy="0"/>
-        </a:xfrm>
-      </p:grpSpPr>
-      <mc:AlternateContent xmlns:mc="http://schemas.openxmlformats.org/markup-compatibility/2006">
-        <mc:Choice xmlns:a14="http://schemas.microsoft.com/office/drawing/2010/main" Requires="a14">
-          <p:sp>
-            <p:nvSpPr>
-              <p:cNvPr id="3" name="Content Placeholder 2">
-                <a:extLst>
-                  <a:ext uri="{FF2B5EF4-FFF2-40B4-BE49-F238E27FC236}">
-                    <a16:creationId xmlns:a16="http://schemas.microsoft.com/office/drawing/2014/main" id="{8BA841ED-082A-9190-9B77-F7184B129FD7}"/>
-                  </a:ext>
-                </a:extLst>
-              </p:cNvPr>
-              <p:cNvSpPr>
-                <a:spLocks noGrp="1"/>
-              </p:cNvSpPr>
-              <p:nvPr>
-                <p:ph idx="1"/>
-              </p:nvPr>
-            </p:nvSpPr>
-            <p:spPr>
-              <a:xfrm>
-                <a:off x="838200" y="2634712"/>
-                <a:ext cx="10606177" cy="3743786"/>
-              </a:xfrm>
-            </p:spPr>
-            <p:txBody>
-              <a:bodyPr anchor="t">
-                <a:normAutofit/>
-              </a:bodyPr>
-              <a:lstStyle/>
-              <a:p>
-                <a:pPr marL="0" indent="0">
-                  <a:buNone/>
-                </a:pPr>
-                <a14:m>
-                  <m:oMathPara xmlns:m="http://schemas.openxmlformats.org/officeDocument/2006/math">
-                    <m:oMathParaPr>
-                      <m:jc m:val="centerGroup"/>
-                    </m:oMathParaPr>
-                    <m:oMath xmlns:m="http://schemas.openxmlformats.org/officeDocument/2006/math">
-                      <m:nary>
-                        <m:naryPr>
-                          <m:chr m:val="∑"/>
-                          <m:supHide m:val="on"/>
-                          <m:ctrlPr>
-                            <a:rPr lang="en-US" i="1"/>
-                          </m:ctrlPr>
-                        </m:naryPr>
-                        <m:sub>
-                          <m:r>
-                            <a:rPr lang="en-US" i="1"/>
-                            <m:t>𝑖</m:t>
-                          </m:r>
-                          <m:r>
-                            <a:rPr lang="en-US"/>
-                            <m:t>∈</m:t>
-                          </m:r>
-                          <m:r>
-                            <a:rPr lang="en-US" i="1"/>
-                            <m:t>𝑀</m:t>
-                          </m:r>
-                        </m:sub>
-                        <m:sup/>
-                        <m:e>
-                          <m:sSub>
-                            <m:sSubPr>
-                              <m:ctrlPr>
-                                <a:rPr lang="en-US" i="1"/>
-                              </m:ctrlPr>
-                            </m:sSubPr>
-                            <m:e>
-                              <m:r>
-                                <a:rPr lang="en-US" i="1"/>
-                                <m:t>𝑥</m:t>
-                              </m:r>
-                            </m:e>
-                            <m:sub>
-                              <m:r>
-                                <a:rPr lang="en-US" i="1"/>
-                                <m:t>𝑖𝑗</m:t>
-                              </m:r>
-                            </m:sub>
-                          </m:sSub>
-                        </m:e>
-                      </m:nary>
-                      <m:r>
-                        <a:rPr lang="en-US" i="1"/>
-                        <m:t>=1, </m:t>
-                      </m:r>
-                      <m:r>
-                        <a:rPr lang="en-US"/>
-                        <m:t>∀</m:t>
-                      </m:r>
-                      <m:r>
-                        <a:rPr lang="en-US" i="1"/>
-                        <m:t>𝑗</m:t>
-                      </m:r>
-                      <m:r>
-                        <a:rPr lang="en-US"/>
-                        <m:t>∈</m:t>
-                      </m:r>
-                      <m:r>
-                        <a:rPr lang="en-US" i="1"/>
-                        <m:t>𝑁</m:t>
-                      </m:r>
-                    </m:oMath>
-                  </m:oMathPara>
-                </a14:m>
-                <a:endParaRPr lang="en-US" dirty="0"/>
-              </a:p>
-              <a:p>
-                <a:pPr marL="0" indent="0">
-                  <a:buNone/>
-                </a:pPr>
-                <a:endParaRPr lang="en-US" dirty="0"/>
-              </a:p>
-              <a:p>
-                <a:pPr marL="0" indent="0">
-                  <a:buNone/>
-                </a:pPr>
-                <a14:m>
-                  <m:oMathPara xmlns:m="http://schemas.openxmlformats.org/officeDocument/2006/math">
-                    <m:oMathParaPr>
-                      <m:jc m:val="centerGroup"/>
-                    </m:oMathParaPr>
-                    <m:oMath xmlns:m="http://schemas.openxmlformats.org/officeDocument/2006/math">
-                      <m:nary>
-                        <m:naryPr>
-                          <m:chr m:val="∑"/>
-                          <m:supHide m:val="on"/>
-                          <m:ctrlPr>
-                            <a:rPr lang="en-US" i="1"/>
-                          </m:ctrlPr>
-                        </m:naryPr>
-                        <m:sub>
-                          <m:r>
-                            <a:rPr lang="en-US" i="1"/>
-                            <m:t>𝑗</m:t>
-                          </m:r>
-                          <m:r>
-                            <a:rPr lang="en-US"/>
-                            <m:t>∈</m:t>
-                          </m:r>
-                          <m:r>
-                            <a:rPr lang="en-US" i="1"/>
-                            <m:t>𝑁</m:t>
-                          </m:r>
-                        </m:sub>
-                        <m:sup/>
-                        <m:e>
-                          <m:sSub>
-                            <m:sSubPr>
-                              <m:ctrlPr>
-                                <a:rPr lang="en-US" i="1"/>
-                              </m:ctrlPr>
-                            </m:sSubPr>
-                            <m:e>
-                              <m:r>
-                                <a:rPr lang="en-US" i="1"/>
-                                <m:t>𝑥</m:t>
-                              </m:r>
-                            </m:e>
-                            <m:sub>
-                              <m:r>
-                                <a:rPr lang="en-US" i="1"/>
-                                <m:t>𝑖𝑗</m:t>
-                              </m:r>
-                            </m:sub>
-                          </m:sSub>
-                        </m:e>
-                      </m:nary>
-                      <m:r>
-                        <a:rPr lang="en-US" i="1"/>
-                        <m:t>≤1, </m:t>
-                      </m:r>
-                      <m:r>
-                        <a:rPr lang="en-US"/>
-                        <m:t>∀</m:t>
-                      </m:r>
-                      <m:r>
-                        <a:rPr lang="en-US" i="1"/>
-                        <m:t>𝑖</m:t>
-                      </m:r>
-                      <m:r>
-                        <a:rPr lang="en-US"/>
-                        <m:t>∈</m:t>
-                      </m:r>
-                      <m:r>
-                        <a:rPr lang="en-US" i="1"/>
-                        <m:t>𝑀</m:t>
-                      </m:r>
-                    </m:oMath>
-                  </m:oMathPara>
-                </a14:m>
-                <a:endParaRPr lang="en-US" dirty="0"/>
-              </a:p>
-              <a:p>
-                <a:pPr marL="0" indent="0">
-                  <a:buNone/>
-                </a:pPr>
-                <a:endParaRPr lang="en-US" dirty="0"/>
-              </a:p>
-            </p:txBody>
-          </p:sp>
-        </mc:Choice>
-        <mc:Fallback>
-          <p:sp>
-            <p:nvSpPr>
-              <p:cNvPr id="3" name="Content Placeholder 2">
-                <a:extLst>
-                  <a:ext uri="{FF2B5EF4-FFF2-40B4-BE49-F238E27FC236}">
-                    <a16:creationId xmlns:a16="http://schemas.microsoft.com/office/drawing/2014/main" id="{8BA841ED-082A-9190-9B77-F7184B129FD7}"/>
-                  </a:ext>
-                </a:extLst>
-              </p:cNvPr>
-              <p:cNvSpPr>
-                <a:spLocks noGrp="1" noRot="1" noChangeAspect="1" noMove="1" noResize="1" noEditPoints="1" noAdjustHandles="1" noChangeArrowheads="1" noChangeShapeType="1" noTextEdit="1"/>
-              </p:cNvSpPr>
-              <p:nvPr>
-                <p:ph idx="1"/>
-              </p:nvPr>
-            </p:nvSpPr>
-            <p:spPr>
-              <a:xfrm>
-                <a:off x="838200" y="2634712"/>
-                <a:ext cx="10606177" cy="3743786"/>
-              </a:xfrm>
-              <a:blipFill>
-                <a:blip r:embed="rId2"/>
-                <a:stretch>
-                  <a:fillRect t="-41554" b="-22297"/>
-                </a:stretch>
-              </a:blipFill>
-            </p:spPr>
-            <p:txBody>
-              <a:bodyPr/>
-              <a:lstStyle/>
-              <a:p>
-                <a:r>
-                  <a:rPr lang="en-US">
-                    <a:noFill/>
-                  </a:rPr>
-                  <a:t> </a:t>
-                </a:r>
-              </a:p>
-            </p:txBody>
-          </p:sp>
-        </mc:Fallback>
-      </mc:AlternateContent>
-      <p:pic>
-        <p:nvPicPr>
-          <p:cNvPr id="4" name="Picture 6">
-            <a:extLst>
-              <a:ext uri="{FF2B5EF4-FFF2-40B4-BE49-F238E27FC236}">
-                <a16:creationId xmlns:a16="http://schemas.microsoft.com/office/drawing/2014/main" id="{A63AF984-54AC-8BD4-BDAF-CC95E431BC4C}"/>
-              </a:ext>
-            </a:extLst>
-          </p:cNvPr>
-          <p:cNvPicPr>
-            <a:picLocks noChangeAspect="1" noChangeArrowheads="1"/>
-          </p:cNvPicPr>
-          <p:nvPr/>
-        </p:nvPicPr>
-        <p:blipFill>
-          <a:blip r:embed="rId3">
-            <a:extLst>
-              <a:ext uri="{28A0092B-C50C-407E-A947-70E740481C1C}">
-                <a14:useLocalDpi xmlns:a14="http://schemas.microsoft.com/office/drawing/2010/main" val="0"/>
-              </a:ext>
-            </a:extLst>
-          </a:blip>
-          <a:srcRect/>
-          <a:stretch>
-            <a:fillRect/>
-          </a:stretch>
-        </p:blipFill>
-        <p:spPr bwMode="auto">
-          <a:xfrm>
-            <a:off x="11047411" y="231446"/>
-            <a:ext cx="788859" cy="1081177"/>
-          </a:xfrm>
-          <a:prstGeom prst="rect">
-            <a:avLst/>
-          </a:prstGeom>
-          <a:noFill/>
-          <a:extLst>
-            <a:ext uri="{909E8E84-426E-40DD-AFC4-6F175D3DCCD1}">
-              <a14:hiddenFill xmlns:a14="http://schemas.microsoft.com/office/drawing/2010/main">
-                <a:solidFill>
-                  <a:srgbClr val="FFFFFF"/>
-                </a:solidFill>
-              </a14:hiddenFill>
-            </a:ext>
-          </a:extLst>
-        </p:spPr>
-      </p:pic>
-      <p:sp>
-        <p:nvSpPr>
-          <p:cNvPr id="7" name="Title 11">
-            <a:extLst>
-              <a:ext uri="{FF2B5EF4-FFF2-40B4-BE49-F238E27FC236}">
-                <a16:creationId xmlns:a16="http://schemas.microsoft.com/office/drawing/2014/main" id="{9FA262E0-B94F-2C24-E470-6BC43BFA17AB}"/>
-              </a:ext>
-            </a:extLst>
-          </p:cNvPr>
-          <p:cNvSpPr txBox="1">
-            <a:spLocks/>
-          </p:cNvSpPr>
-          <p:nvPr/>
-        </p:nvSpPr>
-        <p:spPr>
-          <a:xfrm>
-            <a:off x="838200" y="365126"/>
-            <a:ext cx="10515600" cy="813818"/>
-          </a:xfrm>
-          <a:prstGeom prst="rect">
-            <a:avLst/>
-          </a:prstGeom>
-        </p:spPr>
-        <p:txBody>
-          <a:bodyPr vert="horz" lIns="91440" tIns="45720" rIns="91440" bIns="45720" rtlCol="0" anchor="ctr">
-            <a:normAutofit/>
-          </a:bodyPr>
-          <a:lstStyle>
-            <a:lvl1pPr algn="l" defTabSz="914400" rtl="0" eaLnBrk="1" latinLnBrk="0" hangingPunct="1">
-              <a:lnSpc>
-                <a:spcPct val="90000"/>
-              </a:lnSpc>
-              <a:spcBef>
-                <a:spcPct val="0"/>
-              </a:spcBef>
-              <a:buNone/>
-              <a:defRPr sz="4400" kern="1200">
-                <a:solidFill>
-                  <a:schemeClr val="tx1"/>
-                </a:solidFill>
-                <a:latin typeface="+mj-lt"/>
-                <a:ea typeface="+mj-ea"/>
-                <a:cs typeface="+mj-cs"/>
-              </a:defRPr>
-            </a:lvl1pPr>
-          </a:lstStyle>
-          <a:p>
-            <a:r>
-              <a:rPr lang="en-US" dirty="0"/>
-              <a:t>Assignment Constraints</a:t>
-            </a:r>
-          </a:p>
-        </p:txBody>
-      </p:sp>
-    </p:spTree>
-    <p:extLst>
-      <p:ext uri="{BB962C8B-B14F-4D97-AF65-F5344CB8AC3E}">
-        <p14:creationId xmlns:p14="http://schemas.microsoft.com/office/powerpoint/2010/main" val="38573106"/>
       </p:ext>
     </p:extLst>
   </p:cSld>
